--- a/6_Simulations.pptx
+++ b/6_Simulations.pptx
@@ -5,7 +5,7 @@
     <p:sldMasterId id="2147483648" r:id="rId1"/>
   </p:sldMasterIdLst>
   <p:notesMasterIdLst>
-    <p:notesMasterId r:id="rId37"/>
+    <p:notesMasterId r:id="rId39"/>
   </p:notesMasterIdLst>
   <p:sldIdLst>
     <p:sldId id="265" r:id="rId2"/>
@@ -41,8 +41,10 @@
     <p:sldId id="287" r:id="rId32"/>
     <p:sldId id="288" r:id="rId33"/>
     <p:sldId id="291" r:id="rId34"/>
-    <p:sldId id="289" r:id="rId35"/>
-    <p:sldId id="290" r:id="rId36"/>
+    <p:sldId id="292" r:id="rId35"/>
+    <p:sldId id="293" r:id="rId36"/>
+    <p:sldId id="289" r:id="rId37"/>
+    <p:sldId id="290" r:id="rId38"/>
   </p:sldIdLst>
   <p:sldSz cx="12192000" cy="6858000"/>
   <p:notesSz cx="6858000" cy="9144000"/>
@@ -226,7 +228,7 @@
           <a:p>
             <a:fld id="{C8275875-B38C-4D36-B170-AF1B24E69583}" type="datetimeFigureOut">
               <a:rPr lang="en-US" smtClean="0"/>
-              <a:t>06-Mar-19</a:t>
+              <a:t>07-Mar-19</a:t>
             </a:fld>
             <a:endParaRPr lang="en-US"/>
           </a:p>
@@ -662,7 +664,7 @@
           <a:p>
             <a:fld id="{A8A83EBA-9050-4CA4-9B49-EF19C301BE1C}" type="slidenum">
               <a:rPr lang="en-US" smtClean="0"/>
-              <a:t>34</a:t>
+              <a:t>36</a:t>
             </a:fld>
             <a:endParaRPr lang="en-US"/>
           </a:p>
@@ -753,7 +755,7 @@
           <a:p>
             <a:fld id="{A8A83EBA-9050-4CA4-9B49-EF19C301BE1C}" type="slidenum">
               <a:rPr lang="en-US" smtClean="0"/>
-              <a:t>35</a:t>
+              <a:t>37</a:t>
             </a:fld>
             <a:endParaRPr lang="en-US"/>
           </a:p>
@@ -794,7 +796,7 @@
           <p:cNvPr id="2" name="Title 1">
             <a:extLst>
               <a:ext uri="{FF2B5EF4-FFF2-40B4-BE49-F238E27FC236}">
-                <a16:creationId xmlns:a16="http://schemas.microsoft.com/office/drawing/2014/main" xmlns="" id="{76962679-22AF-4149-8498-2773F6483BBC}"/>
+                <a16:creationId xmlns="" xmlns:a16="http://schemas.microsoft.com/office/drawing/2014/main" id="{76962679-22AF-4149-8498-2773F6483BBC}"/>
               </a:ext>
             </a:extLst>
           </p:cNvPr>
@@ -831,7 +833,7 @@
           <p:cNvPr id="3" name="Subtitle 2">
             <a:extLst>
               <a:ext uri="{FF2B5EF4-FFF2-40B4-BE49-F238E27FC236}">
-                <a16:creationId xmlns:a16="http://schemas.microsoft.com/office/drawing/2014/main" xmlns="" id="{D79168FA-18F7-442C-877B-1C78EC9BAC27}"/>
+                <a16:creationId xmlns="" xmlns:a16="http://schemas.microsoft.com/office/drawing/2014/main" id="{D79168FA-18F7-442C-877B-1C78EC9BAC27}"/>
               </a:ext>
             </a:extLst>
           </p:cNvPr>
@@ -901,7 +903,7 @@
           <p:cNvPr id="4" name="Date Placeholder 3">
             <a:extLst>
               <a:ext uri="{FF2B5EF4-FFF2-40B4-BE49-F238E27FC236}">
-                <a16:creationId xmlns:a16="http://schemas.microsoft.com/office/drawing/2014/main" xmlns="" id="{304526C1-844F-43AD-B2FA-B6D7DE5AC32C}"/>
+                <a16:creationId xmlns="" xmlns:a16="http://schemas.microsoft.com/office/drawing/2014/main" id="{304526C1-844F-43AD-B2FA-B6D7DE5AC32C}"/>
               </a:ext>
             </a:extLst>
           </p:cNvPr>
@@ -919,7 +921,7 @@
           <a:p>
             <a:fld id="{4486C959-398B-4127-93C6-F7295BB511EC}" type="datetimeFigureOut">
               <a:rPr lang="en-US" smtClean="0"/>
-              <a:t>06-Mar-19</a:t>
+              <a:t>07-Mar-19</a:t>
             </a:fld>
             <a:endParaRPr lang="en-US"/>
           </a:p>
@@ -930,7 +932,7 @@
           <p:cNvPr id="5" name="Footer Placeholder 4">
             <a:extLst>
               <a:ext uri="{FF2B5EF4-FFF2-40B4-BE49-F238E27FC236}">
-                <a16:creationId xmlns:a16="http://schemas.microsoft.com/office/drawing/2014/main" xmlns="" id="{D9ADCFB4-9B2E-4084-A2C7-391B5E7B2D2D}"/>
+                <a16:creationId xmlns="" xmlns:a16="http://schemas.microsoft.com/office/drawing/2014/main" id="{D9ADCFB4-9B2E-4084-A2C7-391B5E7B2D2D}"/>
               </a:ext>
             </a:extLst>
           </p:cNvPr>
@@ -955,7 +957,7 @@
           <p:cNvPr id="6" name="Slide Number Placeholder 5">
             <a:extLst>
               <a:ext uri="{FF2B5EF4-FFF2-40B4-BE49-F238E27FC236}">
-                <a16:creationId xmlns:a16="http://schemas.microsoft.com/office/drawing/2014/main" xmlns="" id="{4ABA4646-C91B-4B90-905A-4A3CA2CAE88A}"/>
+                <a16:creationId xmlns="" xmlns:a16="http://schemas.microsoft.com/office/drawing/2014/main" id="{4ABA4646-C91B-4B90-905A-4A3CA2CAE88A}"/>
               </a:ext>
             </a:extLst>
           </p:cNvPr>
@@ -1014,7 +1016,7 @@
           <p:cNvPr id="2" name="Title 1">
             <a:extLst>
               <a:ext uri="{FF2B5EF4-FFF2-40B4-BE49-F238E27FC236}">
-                <a16:creationId xmlns:a16="http://schemas.microsoft.com/office/drawing/2014/main" xmlns="" id="{E398008A-EE23-4426-9D5B-B8BD673F1C4C}"/>
+                <a16:creationId xmlns="" xmlns:a16="http://schemas.microsoft.com/office/drawing/2014/main" id="{E398008A-EE23-4426-9D5B-B8BD673F1C4C}"/>
               </a:ext>
             </a:extLst>
           </p:cNvPr>
@@ -1042,7 +1044,7 @@
           <p:cNvPr id="3" name="Vertical Text Placeholder 2">
             <a:extLst>
               <a:ext uri="{FF2B5EF4-FFF2-40B4-BE49-F238E27FC236}">
-                <a16:creationId xmlns:a16="http://schemas.microsoft.com/office/drawing/2014/main" xmlns="" id="{C38454FE-47EE-44DA-827A-1C8C58EB9588}"/>
+                <a16:creationId xmlns="" xmlns:a16="http://schemas.microsoft.com/office/drawing/2014/main" id="{C38454FE-47EE-44DA-827A-1C8C58EB9588}"/>
               </a:ext>
             </a:extLst>
           </p:cNvPr>
@@ -1099,7 +1101,7 @@
           <p:cNvPr id="4" name="Date Placeholder 3">
             <a:extLst>
               <a:ext uri="{FF2B5EF4-FFF2-40B4-BE49-F238E27FC236}">
-                <a16:creationId xmlns:a16="http://schemas.microsoft.com/office/drawing/2014/main" xmlns="" id="{8E722CED-B38F-44D3-8E42-6FC9A0FD5FFC}"/>
+                <a16:creationId xmlns="" xmlns:a16="http://schemas.microsoft.com/office/drawing/2014/main" id="{8E722CED-B38F-44D3-8E42-6FC9A0FD5FFC}"/>
               </a:ext>
             </a:extLst>
           </p:cNvPr>
@@ -1117,7 +1119,7 @@
           <a:p>
             <a:fld id="{4486C959-398B-4127-93C6-F7295BB511EC}" type="datetimeFigureOut">
               <a:rPr lang="en-US" smtClean="0"/>
-              <a:t>06-Mar-19</a:t>
+              <a:t>07-Mar-19</a:t>
             </a:fld>
             <a:endParaRPr lang="en-US"/>
           </a:p>
@@ -1128,7 +1130,7 @@
           <p:cNvPr id="5" name="Footer Placeholder 4">
             <a:extLst>
               <a:ext uri="{FF2B5EF4-FFF2-40B4-BE49-F238E27FC236}">
-                <a16:creationId xmlns:a16="http://schemas.microsoft.com/office/drawing/2014/main" xmlns="" id="{11D99BF8-E988-4325-AAFA-7D41BAAAB14D}"/>
+                <a16:creationId xmlns="" xmlns:a16="http://schemas.microsoft.com/office/drawing/2014/main" id="{11D99BF8-E988-4325-AAFA-7D41BAAAB14D}"/>
               </a:ext>
             </a:extLst>
           </p:cNvPr>
@@ -1153,7 +1155,7 @@
           <p:cNvPr id="6" name="Slide Number Placeholder 5">
             <a:extLst>
               <a:ext uri="{FF2B5EF4-FFF2-40B4-BE49-F238E27FC236}">
-                <a16:creationId xmlns:a16="http://schemas.microsoft.com/office/drawing/2014/main" xmlns="" id="{B00C8F9C-93F5-4210-9B1F-EAC0394A4798}"/>
+                <a16:creationId xmlns="" xmlns:a16="http://schemas.microsoft.com/office/drawing/2014/main" id="{B00C8F9C-93F5-4210-9B1F-EAC0394A4798}"/>
               </a:ext>
             </a:extLst>
           </p:cNvPr>
@@ -1212,7 +1214,7 @@
           <p:cNvPr id="2" name="Vertical Title 1">
             <a:extLst>
               <a:ext uri="{FF2B5EF4-FFF2-40B4-BE49-F238E27FC236}">
-                <a16:creationId xmlns:a16="http://schemas.microsoft.com/office/drawing/2014/main" xmlns="" id="{B466A19C-B3BD-4718-AE04-235AC24B8639}"/>
+                <a16:creationId xmlns="" xmlns:a16="http://schemas.microsoft.com/office/drawing/2014/main" id="{B466A19C-B3BD-4718-AE04-235AC24B8639}"/>
               </a:ext>
             </a:extLst>
           </p:cNvPr>
@@ -1245,7 +1247,7 @@
           <p:cNvPr id="3" name="Vertical Text Placeholder 2">
             <a:extLst>
               <a:ext uri="{FF2B5EF4-FFF2-40B4-BE49-F238E27FC236}">
-                <a16:creationId xmlns:a16="http://schemas.microsoft.com/office/drawing/2014/main" xmlns="" id="{19CA5378-8A8F-4D6B-887F-69C49DD9F306}"/>
+                <a16:creationId xmlns="" xmlns:a16="http://schemas.microsoft.com/office/drawing/2014/main" id="{19CA5378-8A8F-4D6B-887F-69C49DD9F306}"/>
               </a:ext>
             </a:extLst>
           </p:cNvPr>
@@ -1307,7 +1309,7 @@
           <p:cNvPr id="4" name="Date Placeholder 3">
             <a:extLst>
               <a:ext uri="{FF2B5EF4-FFF2-40B4-BE49-F238E27FC236}">
-                <a16:creationId xmlns:a16="http://schemas.microsoft.com/office/drawing/2014/main" xmlns="" id="{138FB2B3-417F-441F-9716-0A185C68E918}"/>
+                <a16:creationId xmlns="" xmlns:a16="http://schemas.microsoft.com/office/drawing/2014/main" id="{138FB2B3-417F-441F-9716-0A185C68E918}"/>
               </a:ext>
             </a:extLst>
           </p:cNvPr>
@@ -1325,7 +1327,7 @@
           <a:p>
             <a:fld id="{4486C959-398B-4127-93C6-F7295BB511EC}" type="datetimeFigureOut">
               <a:rPr lang="en-US" smtClean="0"/>
-              <a:t>06-Mar-19</a:t>
+              <a:t>07-Mar-19</a:t>
             </a:fld>
             <a:endParaRPr lang="en-US"/>
           </a:p>
@@ -1336,7 +1338,7 @@
           <p:cNvPr id="5" name="Footer Placeholder 4">
             <a:extLst>
               <a:ext uri="{FF2B5EF4-FFF2-40B4-BE49-F238E27FC236}">
-                <a16:creationId xmlns:a16="http://schemas.microsoft.com/office/drawing/2014/main" xmlns="" id="{08FD8E1B-1465-435C-9BEE-3200AE1C4AF0}"/>
+                <a16:creationId xmlns="" xmlns:a16="http://schemas.microsoft.com/office/drawing/2014/main" id="{08FD8E1B-1465-435C-9BEE-3200AE1C4AF0}"/>
               </a:ext>
             </a:extLst>
           </p:cNvPr>
@@ -1361,7 +1363,7 @@
           <p:cNvPr id="6" name="Slide Number Placeholder 5">
             <a:extLst>
               <a:ext uri="{FF2B5EF4-FFF2-40B4-BE49-F238E27FC236}">
-                <a16:creationId xmlns:a16="http://schemas.microsoft.com/office/drawing/2014/main" xmlns="" id="{2DB9A694-7EF3-4272-897C-4BDD5697AC8C}"/>
+                <a16:creationId xmlns="" xmlns:a16="http://schemas.microsoft.com/office/drawing/2014/main" id="{2DB9A694-7EF3-4272-897C-4BDD5697AC8C}"/>
               </a:ext>
             </a:extLst>
           </p:cNvPr>
@@ -1420,7 +1422,7 @@
           <p:cNvPr id="2" name="Title 1">
             <a:extLst>
               <a:ext uri="{FF2B5EF4-FFF2-40B4-BE49-F238E27FC236}">
-                <a16:creationId xmlns:a16="http://schemas.microsoft.com/office/drawing/2014/main" xmlns="" id="{77695F61-FED7-424C-A0E6-7F25DDEB860D}"/>
+                <a16:creationId xmlns="" xmlns:a16="http://schemas.microsoft.com/office/drawing/2014/main" id="{77695F61-FED7-424C-A0E6-7F25DDEB860D}"/>
               </a:ext>
             </a:extLst>
           </p:cNvPr>
@@ -1448,7 +1450,7 @@
           <p:cNvPr id="3" name="Content Placeholder 2">
             <a:extLst>
               <a:ext uri="{FF2B5EF4-FFF2-40B4-BE49-F238E27FC236}">
-                <a16:creationId xmlns:a16="http://schemas.microsoft.com/office/drawing/2014/main" xmlns="" id="{E26BEFF9-7734-4438-B66D-B573A9716CE0}"/>
+                <a16:creationId xmlns="" xmlns:a16="http://schemas.microsoft.com/office/drawing/2014/main" id="{E26BEFF9-7734-4438-B66D-B573A9716CE0}"/>
               </a:ext>
             </a:extLst>
           </p:cNvPr>
@@ -1505,7 +1507,7 @@
           <p:cNvPr id="4" name="Date Placeholder 3">
             <a:extLst>
               <a:ext uri="{FF2B5EF4-FFF2-40B4-BE49-F238E27FC236}">
-                <a16:creationId xmlns:a16="http://schemas.microsoft.com/office/drawing/2014/main" xmlns="" id="{CD2F988F-022D-4030-9E3F-C1A00202755A}"/>
+                <a16:creationId xmlns="" xmlns:a16="http://schemas.microsoft.com/office/drawing/2014/main" id="{CD2F988F-022D-4030-9E3F-C1A00202755A}"/>
               </a:ext>
             </a:extLst>
           </p:cNvPr>
@@ -1523,7 +1525,7 @@
           <a:p>
             <a:fld id="{4486C959-398B-4127-93C6-F7295BB511EC}" type="datetimeFigureOut">
               <a:rPr lang="en-US" smtClean="0"/>
-              <a:t>06-Mar-19</a:t>
+              <a:t>07-Mar-19</a:t>
             </a:fld>
             <a:endParaRPr lang="en-US"/>
           </a:p>
@@ -1534,7 +1536,7 @@
           <p:cNvPr id="5" name="Footer Placeholder 4">
             <a:extLst>
               <a:ext uri="{FF2B5EF4-FFF2-40B4-BE49-F238E27FC236}">
-                <a16:creationId xmlns:a16="http://schemas.microsoft.com/office/drawing/2014/main" xmlns="" id="{C5FBF080-4043-4EA7-9DDD-5C86797E31EC}"/>
+                <a16:creationId xmlns="" xmlns:a16="http://schemas.microsoft.com/office/drawing/2014/main" id="{C5FBF080-4043-4EA7-9DDD-5C86797E31EC}"/>
               </a:ext>
             </a:extLst>
           </p:cNvPr>
@@ -1559,7 +1561,7 @@
           <p:cNvPr id="6" name="Slide Number Placeholder 5">
             <a:extLst>
               <a:ext uri="{FF2B5EF4-FFF2-40B4-BE49-F238E27FC236}">
-                <a16:creationId xmlns:a16="http://schemas.microsoft.com/office/drawing/2014/main" xmlns="" id="{A1F93DE2-92FC-480B-88C7-2DC8B302F029}"/>
+                <a16:creationId xmlns="" xmlns:a16="http://schemas.microsoft.com/office/drawing/2014/main" id="{A1F93DE2-92FC-480B-88C7-2DC8B302F029}"/>
               </a:ext>
             </a:extLst>
           </p:cNvPr>
@@ -1618,7 +1620,7 @@
           <p:cNvPr id="2" name="Title 1">
             <a:extLst>
               <a:ext uri="{FF2B5EF4-FFF2-40B4-BE49-F238E27FC236}">
-                <a16:creationId xmlns:a16="http://schemas.microsoft.com/office/drawing/2014/main" xmlns="" id="{ECBD3589-1302-41EC-B5FE-C90121221A2C}"/>
+                <a16:creationId xmlns="" xmlns:a16="http://schemas.microsoft.com/office/drawing/2014/main" id="{ECBD3589-1302-41EC-B5FE-C90121221A2C}"/>
               </a:ext>
             </a:extLst>
           </p:cNvPr>
@@ -1655,7 +1657,7 @@
           <p:cNvPr id="3" name="Text Placeholder 2">
             <a:extLst>
               <a:ext uri="{FF2B5EF4-FFF2-40B4-BE49-F238E27FC236}">
-                <a16:creationId xmlns:a16="http://schemas.microsoft.com/office/drawing/2014/main" xmlns="" id="{D0D44355-8C33-4D11-AEA0-4D67A9445AEF}"/>
+                <a16:creationId xmlns="" xmlns:a16="http://schemas.microsoft.com/office/drawing/2014/main" id="{D0D44355-8C33-4D11-AEA0-4D67A9445AEF}"/>
               </a:ext>
             </a:extLst>
           </p:cNvPr>
@@ -1780,7 +1782,7 @@
           <p:cNvPr id="4" name="Date Placeholder 3">
             <a:extLst>
               <a:ext uri="{FF2B5EF4-FFF2-40B4-BE49-F238E27FC236}">
-                <a16:creationId xmlns:a16="http://schemas.microsoft.com/office/drawing/2014/main" xmlns="" id="{500BDADB-E534-4432-B92B-21CB02B447D5}"/>
+                <a16:creationId xmlns="" xmlns:a16="http://schemas.microsoft.com/office/drawing/2014/main" id="{500BDADB-E534-4432-B92B-21CB02B447D5}"/>
               </a:ext>
             </a:extLst>
           </p:cNvPr>
@@ -1798,7 +1800,7 @@
           <a:p>
             <a:fld id="{4486C959-398B-4127-93C6-F7295BB511EC}" type="datetimeFigureOut">
               <a:rPr lang="en-US" smtClean="0"/>
-              <a:t>06-Mar-19</a:t>
+              <a:t>07-Mar-19</a:t>
             </a:fld>
             <a:endParaRPr lang="en-US"/>
           </a:p>
@@ -1809,7 +1811,7 @@
           <p:cNvPr id="5" name="Footer Placeholder 4">
             <a:extLst>
               <a:ext uri="{FF2B5EF4-FFF2-40B4-BE49-F238E27FC236}">
-                <a16:creationId xmlns:a16="http://schemas.microsoft.com/office/drawing/2014/main" xmlns="" id="{522E9CAF-F691-4A3E-97AC-6757BF63BAAC}"/>
+                <a16:creationId xmlns="" xmlns:a16="http://schemas.microsoft.com/office/drawing/2014/main" id="{522E9CAF-F691-4A3E-97AC-6757BF63BAAC}"/>
               </a:ext>
             </a:extLst>
           </p:cNvPr>
@@ -1834,7 +1836,7 @@
           <p:cNvPr id="6" name="Slide Number Placeholder 5">
             <a:extLst>
               <a:ext uri="{FF2B5EF4-FFF2-40B4-BE49-F238E27FC236}">
-                <a16:creationId xmlns:a16="http://schemas.microsoft.com/office/drawing/2014/main" xmlns="" id="{103365FF-E36C-418E-8FAE-D6815BDBE518}"/>
+                <a16:creationId xmlns="" xmlns:a16="http://schemas.microsoft.com/office/drawing/2014/main" id="{103365FF-E36C-418E-8FAE-D6815BDBE518}"/>
               </a:ext>
             </a:extLst>
           </p:cNvPr>
@@ -1893,7 +1895,7 @@
           <p:cNvPr id="2" name="Title 1">
             <a:extLst>
               <a:ext uri="{FF2B5EF4-FFF2-40B4-BE49-F238E27FC236}">
-                <a16:creationId xmlns:a16="http://schemas.microsoft.com/office/drawing/2014/main" xmlns="" id="{B711796E-74A2-409D-8FF4-B331572A4623}"/>
+                <a16:creationId xmlns="" xmlns:a16="http://schemas.microsoft.com/office/drawing/2014/main" id="{B711796E-74A2-409D-8FF4-B331572A4623}"/>
               </a:ext>
             </a:extLst>
           </p:cNvPr>
@@ -1921,7 +1923,7 @@
           <p:cNvPr id="3" name="Content Placeholder 2">
             <a:extLst>
               <a:ext uri="{FF2B5EF4-FFF2-40B4-BE49-F238E27FC236}">
-                <a16:creationId xmlns:a16="http://schemas.microsoft.com/office/drawing/2014/main" xmlns="" id="{474E3DCD-4AB2-47AB-88C5-F39BD5287F96}"/>
+                <a16:creationId xmlns="" xmlns:a16="http://schemas.microsoft.com/office/drawing/2014/main" id="{474E3DCD-4AB2-47AB-88C5-F39BD5287F96}"/>
               </a:ext>
             </a:extLst>
           </p:cNvPr>
@@ -1983,7 +1985,7 @@
           <p:cNvPr id="4" name="Content Placeholder 3">
             <a:extLst>
               <a:ext uri="{FF2B5EF4-FFF2-40B4-BE49-F238E27FC236}">
-                <a16:creationId xmlns:a16="http://schemas.microsoft.com/office/drawing/2014/main" xmlns="" id="{660BA9BB-F51C-4224-A19D-3C82C16F5E83}"/>
+                <a16:creationId xmlns="" xmlns:a16="http://schemas.microsoft.com/office/drawing/2014/main" id="{660BA9BB-F51C-4224-A19D-3C82C16F5E83}"/>
               </a:ext>
             </a:extLst>
           </p:cNvPr>
@@ -2045,7 +2047,7 @@
           <p:cNvPr id="5" name="Date Placeholder 4">
             <a:extLst>
               <a:ext uri="{FF2B5EF4-FFF2-40B4-BE49-F238E27FC236}">
-                <a16:creationId xmlns:a16="http://schemas.microsoft.com/office/drawing/2014/main" xmlns="" id="{A3FBA8D1-A57F-4ACD-A594-2BB01C6D1847}"/>
+                <a16:creationId xmlns="" xmlns:a16="http://schemas.microsoft.com/office/drawing/2014/main" id="{A3FBA8D1-A57F-4ACD-A594-2BB01C6D1847}"/>
               </a:ext>
             </a:extLst>
           </p:cNvPr>
@@ -2063,7 +2065,7 @@
           <a:p>
             <a:fld id="{4486C959-398B-4127-93C6-F7295BB511EC}" type="datetimeFigureOut">
               <a:rPr lang="en-US" smtClean="0"/>
-              <a:t>06-Mar-19</a:t>
+              <a:t>07-Mar-19</a:t>
             </a:fld>
             <a:endParaRPr lang="en-US"/>
           </a:p>
@@ -2074,7 +2076,7 @@
           <p:cNvPr id="6" name="Footer Placeholder 5">
             <a:extLst>
               <a:ext uri="{FF2B5EF4-FFF2-40B4-BE49-F238E27FC236}">
-                <a16:creationId xmlns:a16="http://schemas.microsoft.com/office/drawing/2014/main" xmlns="" id="{9C96204B-4910-42AC-AD2B-AC052546E7A2}"/>
+                <a16:creationId xmlns="" xmlns:a16="http://schemas.microsoft.com/office/drawing/2014/main" id="{9C96204B-4910-42AC-AD2B-AC052546E7A2}"/>
               </a:ext>
             </a:extLst>
           </p:cNvPr>
@@ -2099,7 +2101,7 @@
           <p:cNvPr id="7" name="Slide Number Placeholder 6">
             <a:extLst>
               <a:ext uri="{FF2B5EF4-FFF2-40B4-BE49-F238E27FC236}">
-                <a16:creationId xmlns:a16="http://schemas.microsoft.com/office/drawing/2014/main" xmlns="" id="{D0DA37AF-3E2D-48AB-8093-147FBA41951F}"/>
+                <a16:creationId xmlns="" xmlns:a16="http://schemas.microsoft.com/office/drawing/2014/main" id="{D0DA37AF-3E2D-48AB-8093-147FBA41951F}"/>
               </a:ext>
             </a:extLst>
           </p:cNvPr>
@@ -2158,7 +2160,7 @@
           <p:cNvPr id="2" name="Title 1">
             <a:extLst>
               <a:ext uri="{FF2B5EF4-FFF2-40B4-BE49-F238E27FC236}">
-                <a16:creationId xmlns:a16="http://schemas.microsoft.com/office/drawing/2014/main" xmlns="" id="{6CBA12A2-9C81-49AB-A0E0-82AB1A587B45}"/>
+                <a16:creationId xmlns="" xmlns:a16="http://schemas.microsoft.com/office/drawing/2014/main" id="{6CBA12A2-9C81-49AB-A0E0-82AB1A587B45}"/>
               </a:ext>
             </a:extLst>
           </p:cNvPr>
@@ -2191,7 +2193,7 @@
           <p:cNvPr id="3" name="Text Placeholder 2">
             <a:extLst>
               <a:ext uri="{FF2B5EF4-FFF2-40B4-BE49-F238E27FC236}">
-                <a16:creationId xmlns:a16="http://schemas.microsoft.com/office/drawing/2014/main" xmlns="" id="{5840D4B8-7BC9-431E-9B9C-3A4E44B5CCD2}"/>
+                <a16:creationId xmlns="" xmlns:a16="http://schemas.microsoft.com/office/drawing/2014/main" id="{5840D4B8-7BC9-431E-9B9C-3A4E44B5CCD2}"/>
               </a:ext>
             </a:extLst>
           </p:cNvPr>
@@ -2262,7 +2264,7 @@
           <p:cNvPr id="4" name="Content Placeholder 3">
             <a:extLst>
               <a:ext uri="{FF2B5EF4-FFF2-40B4-BE49-F238E27FC236}">
-                <a16:creationId xmlns:a16="http://schemas.microsoft.com/office/drawing/2014/main" xmlns="" id="{A1045AA6-E718-4C93-B6FD-5928740456E0}"/>
+                <a16:creationId xmlns="" xmlns:a16="http://schemas.microsoft.com/office/drawing/2014/main" id="{A1045AA6-E718-4C93-B6FD-5928740456E0}"/>
               </a:ext>
             </a:extLst>
           </p:cNvPr>
@@ -2324,7 +2326,7 @@
           <p:cNvPr id="5" name="Text Placeholder 4">
             <a:extLst>
               <a:ext uri="{FF2B5EF4-FFF2-40B4-BE49-F238E27FC236}">
-                <a16:creationId xmlns:a16="http://schemas.microsoft.com/office/drawing/2014/main" xmlns="" id="{0C6401CF-F9EF-4454-A101-3FB710FF6CFF}"/>
+                <a16:creationId xmlns="" xmlns:a16="http://schemas.microsoft.com/office/drawing/2014/main" id="{0C6401CF-F9EF-4454-A101-3FB710FF6CFF}"/>
               </a:ext>
             </a:extLst>
           </p:cNvPr>
@@ -2395,7 +2397,7 @@
           <p:cNvPr id="6" name="Content Placeholder 5">
             <a:extLst>
               <a:ext uri="{FF2B5EF4-FFF2-40B4-BE49-F238E27FC236}">
-                <a16:creationId xmlns:a16="http://schemas.microsoft.com/office/drawing/2014/main" xmlns="" id="{3E4C63D7-7BAE-45D1-B29F-685630C23942}"/>
+                <a16:creationId xmlns="" xmlns:a16="http://schemas.microsoft.com/office/drawing/2014/main" id="{3E4C63D7-7BAE-45D1-B29F-685630C23942}"/>
               </a:ext>
             </a:extLst>
           </p:cNvPr>
@@ -2457,7 +2459,7 @@
           <p:cNvPr id="7" name="Date Placeholder 6">
             <a:extLst>
               <a:ext uri="{FF2B5EF4-FFF2-40B4-BE49-F238E27FC236}">
-                <a16:creationId xmlns:a16="http://schemas.microsoft.com/office/drawing/2014/main" xmlns="" id="{BD90EB5C-97A4-4CA3-B540-938D9BE4130F}"/>
+                <a16:creationId xmlns="" xmlns:a16="http://schemas.microsoft.com/office/drawing/2014/main" id="{BD90EB5C-97A4-4CA3-B540-938D9BE4130F}"/>
               </a:ext>
             </a:extLst>
           </p:cNvPr>
@@ -2475,7 +2477,7 @@
           <a:p>
             <a:fld id="{4486C959-398B-4127-93C6-F7295BB511EC}" type="datetimeFigureOut">
               <a:rPr lang="en-US" smtClean="0"/>
-              <a:t>06-Mar-19</a:t>
+              <a:t>07-Mar-19</a:t>
             </a:fld>
             <a:endParaRPr lang="en-US"/>
           </a:p>
@@ -2486,7 +2488,7 @@
           <p:cNvPr id="8" name="Footer Placeholder 7">
             <a:extLst>
               <a:ext uri="{FF2B5EF4-FFF2-40B4-BE49-F238E27FC236}">
-                <a16:creationId xmlns:a16="http://schemas.microsoft.com/office/drawing/2014/main" xmlns="" id="{5C9F877B-3EF5-47A7-9D1D-A39D9BD4FB0E}"/>
+                <a16:creationId xmlns="" xmlns:a16="http://schemas.microsoft.com/office/drawing/2014/main" id="{5C9F877B-3EF5-47A7-9D1D-A39D9BD4FB0E}"/>
               </a:ext>
             </a:extLst>
           </p:cNvPr>
@@ -2511,7 +2513,7 @@
           <p:cNvPr id="9" name="Slide Number Placeholder 8">
             <a:extLst>
               <a:ext uri="{FF2B5EF4-FFF2-40B4-BE49-F238E27FC236}">
-                <a16:creationId xmlns:a16="http://schemas.microsoft.com/office/drawing/2014/main" xmlns="" id="{E5B87849-8043-4B10-9CCB-B73903B27A07}"/>
+                <a16:creationId xmlns="" xmlns:a16="http://schemas.microsoft.com/office/drawing/2014/main" id="{E5B87849-8043-4B10-9CCB-B73903B27A07}"/>
               </a:ext>
             </a:extLst>
           </p:cNvPr>
@@ -2570,7 +2572,7 @@
           <p:cNvPr id="2" name="Title 1">
             <a:extLst>
               <a:ext uri="{FF2B5EF4-FFF2-40B4-BE49-F238E27FC236}">
-                <a16:creationId xmlns:a16="http://schemas.microsoft.com/office/drawing/2014/main" xmlns="" id="{85B2AE35-7B2C-4C8E-B6B0-4E9F68B86C45}"/>
+                <a16:creationId xmlns="" xmlns:a16="http://schemas.microsoft.com/office/drawing/2014/main" id="{85B2AE35-7B2C-4C8E-B6B0-4E9F68B86C45}"/>
               </a:ext>
             </a:extLst>
           </p:cNvPr>
@@ -2598,7 +2600,7 @@
           <p:cNvPr id="3" name="Date Placeholder 2">
             <a:extLst>
               <a:ext uri="{FF2B5EF4-FFF2-40B4-BE49-F238E27FC236}">
-                <a16:creationId xmlns:a16="http://schemas.microsoft.com/office/drawing/2014/main" xmlns="" id="{18365B36-8E18-4C1C-A7D0-393857D23D15}"/>
+                <a16:creationId xmlns="" xmlns:a16="http://schemas.microsoft.com/office/drawing/2014/main" id="{18365B36-8E18-4C1C-A7D0-393857D23D15}"/>
               </a:ext>
             </a:extLst>
           </p:cNvPr>
@@ -2616,7 +2618,7 @@
           <a:p>
             <a:fld id="{4486C959-398B-4127-93C6-F7295BB511EC}" type="datetimeFigureOut">
               <a:rPr lang="en-US" smtClean="0"/>
-              <a:t>06-Mar-19</a:t>
+              <a:t>07-Mar-19</a:t>
             </a:fld>
             <a:endParaRPr lang="en-US"/>
           </a:p>
@@ -2627,7 +2629,7 @@
           <p:cNvPr id="4" name="Footer Placeholder 3">
             <a:extLst>
               <a:ext uri="{FF2B5EF4-FFF2-40B4-BE49-F238E27FC236}">
-                <a16:creationId xmlns:a16="http://schemas.microsoft.com/office/drawing/2014/main" xmlns="" id="{1BF710FE-40E1-488F-A166-E56E5B55383F}"/>
+                <a16:creationId xmlns="" xmlns:a16="http://schemas.microsoft.com/office/drawing/2014/main" id="{1BF710FE-40E1-488F-A166-E56E5B55383F}"/>
               </a:ext>
             </a:extLst>
           </p:cNvPr>
@@ -2652,7 +2654,7 @@
           <p:cNvPr id="5" name="Slide Number Placeholder 4">
             <a:extLst>
               <a:ext uri="{FF2B5EF4-FFF2-40B4-BE49-F238E27FC236}">
-                <a16:creationId xmlns:a16="http://schemas.microsoft.com/office/drawing/2014/main" xmlns="" id="{6FA652B1-831F-4A16-A7E0-D54E3EC6868A}"/>
+                <a16:creationId xmlns="" xmlns:a16="http://schemas.microsoft.com/office/drawing/2014/main" id="{6FA652B1-831F-4A16-A7E0-D54E3EC6868A}"/>
               </a:ext>
             </a:extLst>
           </p:cNvPr>
@@ -2711,7 +2713,7 @@
           <p:cNvPr id="2" name="Date Placeholder 1">
             <a:extLst>
               <a:ext uri="{FF2B5EF4-FFF2-40B4-BE49-F238E27FC236}">
-                <a16:creationId xmlns:a16="http://schemas.microsoft.com/office/drawing/2014/main" xmlns="" id="{042703A4-07AB-4558-8C5D-4729676D5A07}"/>
+                <a16:creationId xmlns="" xmlns:a16="http://schemas.microsoft.com/office/drawing/2014/main" id="{042703A4-07AB-4558-8C5D-4729676D5A07}"/>
               </a:ext>
             </a:extLst>
           </p:cNvPr>
@@ -2729,7 +2731,7 @@
           <a:p>
             <a:fld id="{4486C959-398B-4127-93C6-F7295BB511EC}" type="datetimeFigureOut">
               <a:rPr lang="en-US" smtClean="0"/>
-              <a:t>06-Mar-19</a:t>
+              <a:t>07-Mar-19</a:t>
             </a:fld>
             <a:endParaRPr lang="en-US"/>
           </a:p>
@@ -2740,7 +2742,7 @@
           <p:cNvPr id="3" name="Footer Placeholder 2">
             <a:extLst>
               <a:ext uri="{FF2B5EF4-FFF2-40B4-BE49-F238E27FC236}">
-                <a16:creationId xmlns:a16="http://schemas.microsoft.com/office/drawing/2014/main" xmlns="" id="{A69BA8AF-B82F-44D0-A4EA-D32D5E62104B}"/>
+                <a16:creationId xmlns="" xmlns:a16="http://schemas.microsoft.com/office/drawing/2014/main" id="{A69BA8AF-B82F-44D0-A4EA-D32D5E62104B}"/>
               </a:ext>
             </a:extLst>
           </p:cNvPr>
@@ -2765,7 +2767,7 @@
           <p:cNvPr id="4" name="Slide Number Placeholder 3">
             <a:extLst>
               <a:ext uri="{FF2B5EF4-FFF2-40B4-BE49-F238E27FC236}">
-                <a16:creationId xmlns:a16="http://schemas.microsoft.com/office/drawing/2014/main" xmlns="" id="{C6DD6D68-F0ED-4D9D-B4F6-AC5E2D4A7F8F}"/>
+                <a16:creationId xmlns="" xmlns:a16="http://schemas.microsoft.com/office/drawing/2014/main" id="{C6DD6D68-F0ED-4D9D-B4F6-AC5E2D4A7F8F}"/>
               </a:ext>
             </a:extLst>
           </p:cNvPr>
@@ -2824,7 +2826,7 @@
           <p:cNvPr id="2" name="Title 1">
             <a:extLst>
               <a:ext uri="{FF2B5EF4-FFF2-40B4-BE49-F238E27FC236}">
-                <a16:creationId xmlns:a16="http://schemas.microsoft.com/office/drawing/2014/main" xmlns="" id="{79545813-1DE1-4D3B-806D-6296500B0ADC}"/>
+                <a16:creationId xmlns="" xmlns:a16="http://schemas.microsoft.com/office/drawing/2014/main" id="{79545813-1DE1-4D3B-806D-6296500B0ADC}"/>
               </a:ext>
             </a:extLst>
           </p:cNvPr>
@@ -2861,7 +2863,7 @@
           <p:cNvPr id="3" name="Content Placeholder 2">
             <a:extLst>
               <a:ext uri="{FF2B5EF4-FFF2-40B4-BE49-F238E27FC236}">
-                <a16:creationId xmlns:a16="http://schemas.microsoft.com/office/drawing/2014/main" xmlns="" id="{AA9A77CF-D3FC-4989-AE4A-973E67E5519D}"/>
+                <a16:creationId xmlns="" xmlns:a16="http://schemas.microsoft.com/office/drawing/2014/main" id="{AA9A77CF-D3FC-4989-AE4A-973E67E5519D}"/>
               </a:ext>
             </a:extLst>
           </p:cNvPr>
@@ -2951,7 +2953,7 @@
           <p:cNvPr id="4" name="Text Placeholder 3">
             <a:extLst>
               <a:ext uri="{FF2B5EF4-FFF2-40B4-BE49-F238E27FC236}">
-                <a16:creationId xmlns:a16="http://schemas.microsoft.com/office/drawing/2014/main" xmlns="" id="{92E7CD10-B692-4F01-818A-1F3031840449}"/>
+                <a16:creationId xmlns="" xmlns:a16="http://schemas.microsoft.com/office/drawing/2014/main" id="{92E7CD10-B692-4F01-818A-1F3031840449}"/>
               </a:ext>
             </a:extLst>
           </p:cNvPr>
@@ -3022,7 +3024,7 @@
           <p:cNvPr id="5" name="Date Placeholder 4">
             <a:extLst>
               <a:ext uri="{FF2B5EF4-FFF2-40B4-BE49-F238E27FC236}">
-                <a16:creationId xmlns:a16="http://schemas.microsoft.com/office/drawing/2014/main" xmlns="" id="{A9CB130A-403D-4F0E-B40F-9C54BF3319D3}"/>
+                <a16:creationId xmlns="" xmlns:a16="http://schemas.microsoft.com/office/drawing/2014/main" id="{A9CB130A-403D-4F0E-B40F-9C54BF3319D3}"/>
               </a:ext>
             </a:extLst>
           </p:cNvPr>
@@ -3040,7 +3042,7 @@
           <a:p>
             <a:fld id="{4486C959-398B-4127-93C6-F7295BB511EC}" type="datetimeFigureOut">
               <a:rPr lang="en-US" smtClean="0"/>
-              <a:t>06-Mar-19</a:t>
+              <a:t>07-Mar-19</a:t>
             </a:fld>
             <a:endParaRPr lang="en-US"/>
           </a:p>
@@ -3051,7 +3053,7 @@
           <p:cNvPr id="6" name="Footer Placeholder 5">
             <a:extLst>
               <a:ext uri="{FF2B5EF4-FFF2-40B4-BE49-F238E27FC236}">
-                <a16:creationId xmlns:a16="http://schemas.microsoft.com/office/drawing/2014/main" xmlns="" id="{ADC6385A-1348-4871-B373-1AE3B4606C04}"/>
+                <a16:creationId xmlns="" xmlns:a16="http://schemas.microsoft.com/office/drawing/2014/main" id="{ADC6385A-1348-4871-B373-1AE3B4606C04}"/>
               </a:ext>
             </a:extLst>
           </p:cNvPr>
@@ -3076,7 +3078,7 @@
           <p:cNvPr id="7" name="Slide Number Placeholder 6">
             <a:extLst>
               <a:ext uri="{FF2B5EF4-FFF2-40B4-BE49-F238E27FC236}">
-                <a16:creationId xmlns:a16="http://schemas.microsoft.com/office/drawing/2014/main" xmlns="" id="{ABD9CCC6-5BDD-4CBA-A258-08807D0CDBA8}"/>
+                <a16:creationId xmlns="" xmlns:a16="http://schemas.microsoft.com/office/drawing/2014/main" id="{ABD9CCC6-5BDD-4CBA-A258-08807D0CDBA8}"/>
               </a:ext>
             </a:extLst>
           </p:cNvPr>
@@ -3135,7 +3137,7 @@
           <p:cNvPr id="2" name="Title 1">
             <a:extLst>
               <a:ext uri="{FF2B5EF4-FFF2-40B4-BE49-F238E27FC236}">
-                <a16:creationId xmlns:a16="http://schemas.microsoft.com/office/drawing/2014/main" xmlns="" id="{D7525A15-0858-442C-BE2F-40A643CCF8E1}"/>
+                <a16:creationId xmlns="" xmlns:a16="http://schemas.microsoft.com/office/drawing/2014/main" id="{D7525A15-0858-442C-BE2F-40A643CCF8E1}"/>
               </a:ext>
             </a:extLst>
           </p:cNvPr>
@@ -3172,7 +3174,7 @@
           <p:cNvPr id="3" name="Picture Placeholder 2">
             <a:extLst>
               <a:ext uri="{FF2B5EF4-FFF2-40B4-BE49-F238E27FC236}">
-                <a16:creationId xmlns:a16="http://schemas.microsoft.com/office/drawing/2014/main" xmlns="" id="{C096B8EA-62B6-42C8-A371-6D288B529688}"/>
+                <a16:creationId xmlns="" xmlns:a16="http://schemas.microsoft.com/office/drawing/2014/main" id="{C096B8EA-62B6-42C8-A371-6D288B529688}"/>
               </a:ext>
             </a:extLst>
           </p:cNvPr>
@@ -3239,7 +3241,7 @@
           <p:cNvPr id="4" name="Text Placeholder 3">
             <a:extLst>
               <a:ext uri="{FF2B5EF4-FFF2-40B4-BE49-F238E27FC236}">
-                <a16:creationId xmlns:a16="http://schemas.microsoft.com/office/drawing/2014/main" xmlns="" id="{E83FEDC0-5044-4ADE-A60B-0D911B682EB6}"/>
+                <a16:creationId xmlns="" xmlns:a16="http://schemas.microsoft.com/office/drawing/2014/main" id="{E83FEDC0-5044-4ADE-A60B-0D911B682EB6}"/>
               </a:ext>
             </a:extLst>
           </p:cNvPr>
@@ -3310,7 +3312,7 @@
           <p:cNvPr id="5" name="Date Placeholder 4">
             <a:extLst>
               <a:ext uri="{FF2B5EF4-FFF2-40B4-BE49-F238E27FC236}">
-                <a16:creationId xmlns:a16="http://schemas.microsoft.com/office/drawing/2014/main" xmlns="" id="{842BD41E-C56D-4627-AE21-5F2D0A137DC8}"/>
+                <a16:creationId xmlns="" xmlns:a16="http://schemas.microsoft.com/office/drawing/2014/main" id="{842BD41E-C56D-4627-AE21-5F2D0A137DC8}"/>
               </a:ext>
             </a:extLst>
           </p:cNvPr>
@@ -3328,7 +3330,7 @@
           <a:p>
             <a:fld id="{4486C959-398B-4127-93C6-F7295BB511EC}" type="datetimeFigureOut">
               <a:rPr lang="en-US" smtClean="0"/>
-              <a:t>06-Mar-19</a:t>
+              <a:t>07-Mar-19</a:t>
             </a:fld>
             <a:endParaRPr lang="en-US"/>
           </a:p>
@@ -3339,7 +3341,7 @@
           <p:cNvPr id="6" name="Footer Placeholder 5">
             <a:extLst>
               <a:ext uri="{FF2B5EF4-FFF2-40B4-BE49-F238E27FC236}">
-                <a16:creationId xmlns:a16="http://schemas.microsoft.com/office/drawing/2014/main" xmlns="" id="{91C12592-4F3C-443F-A098-4104259494D5}"/>
+                <a16:creationId xmlns="" xmlns:a16="http://schemas.microsoft.com/office/drawing/2014/main" id="{91C12592-4F3C-443F-A098-4104259494D5}"/>
               </a:ext>
             </a:extLst>
           </p:cNvPr>
@@ -3364,7 +3366,7 @@
           <p:cNvPr id="7" name="Slide Number Placeholder 6">
             <a:extLst>
               <a:ext uri="{FF2B5EF4-FFF2-40B4-BE49-F238E27FC236}">
-                <a16:creationId xmlns:a16="http://schemas.microsoft.com/office/drawing/2014/main" xmlns="" id="{7A4E8930-A3CD-4679-9A61-C33B8B81BFF2}"/>
+                <a16:creationId xmlns="" xmlns:a16="http://schemas.microsoft.com/office/drawing/2014/main" id="{7A4E8930-A3CD-4679-9A61-C33B8B81BFF2}"/>
               </a:ext>
             </a:extLst>
           </p:cNvPr>
@@ -3428,7 +3430,7 @@
           <p:cNvPr id="2" name="Title Placeholder 1">
             <a:extLst>
               <a:ext uri="{FF2B5EF4-FFF2-40B4-BE49-F238E27FC236}">
-                <a16:creationId xmlns:a16="http://schemas.microsoft.com/office/drawing/2014/main" xmlns="" id="{0CCD5E7A-66B0-47F2-863A-43F71DB5D993}"/>
+                <a16:creationId xmlns="" xmlns:a16="http://schemas.microsoft.com/office/drawing/2014/main" id="{0CCD5E7A-66B0-47F2-863A-43F71DB5D993}"/>
               </a:ext>
             </a:extLst>
           </p:cNvPr>
@@ -3466,7 +3468,7 @@
           <p:cNvPr id="3" name="Text Placeholder 2">
             <a:extLst>
               <a:ext uri="{FF2B5EF4-FFF2-40B4-BE49-F238E27FC236}">
-                <a16:creationId xmlns:a16="http://schemas.microsoft.com/office/drawing/2014/main" xmlns="" id="{7269C5F4-160D-489E-8263-E0CCF3A7A9C8}"/>
+                <a16:creationId xmlns="" xmlns:a16="http://schemas.microsoft.com/office/drawing/2014/main" id="{7269C5F4-160D-489E-8263-E0CCF3A7A9C8}"/>
               </a:ext>
             </a:extLst>
           </p:cNvPr>
@@ -3533,7 +3535,7 @@
           <p:cNvPr id="4" name="Date Placeholder 3">
             <a:extLst>
               <a:ext uri="{FF2B5EF4-FFF2-40B4-BE49-F238E27FC236}">
-                <a16:creationId xmlns:a16="http://schemas.microsoft.com/office/drawing/2014/main" xmlns="" id="{ED40E6DA-B49C-4C37-B3D4-30A25D98A07D}"/>
+                <a16:creationId xmlns="" xmlns:a16="http://schemas.microsoft.com/office/drawing/2014/main" id="{ED40E6DA-B49C-4C37-B3D4-30A25D98A07D}"/>
               </a:ext>
             </a:extLst>
           </p:cNvPr>
@@ -3569,7 +3571,7 @@
           <a:p>
             <a:fld id="{4486C959-398B-4127-93C6-F7295BB511EC}" type="datetimeFigureOut">
               <a:rPr lang="en-US" smtClean="0"/>
-              <a:t>06-Mar-19</a:t>
+              <a:t>07-Mar-19</a:t>
             </a:fld>
             <a:endParaRPr lang="en-US"/>
           </a:p>
@@ -3580,7 +3582,7 @@
           <p:cNvPr id="5" name="Footer Placeholder 4">
             <a:extLst>
               <a:ext uri="{FF2B5EF4-FFF2-40B4-BE49-F238E27FC236}">
-                <a16:creationId xmlns:a16="http://schemas.microsoft.com/office/drawing/2014/main" xmlns="" id="{A1B6029F-D2FD-4B46-9EA9-E9F88D043491}"/>
+                <a16:creationId xmlns="" xmlns:a16="http://schemas.microsoft.com/office/drawing/2014/main" id="{A1B6029F-D2FD-4B46-9EA9-E9F88D043491}"/>
               </a:ext>
             </a:extLst>
           </p:cNvPr>
@@ -3623,7 +3625,7 @@
           <p:cNvPr id="6" name="Slide Number Placeholder 5">
             <a:extLst>
               <a:ext uri="{FF2B5EF4-FFF2-40B4-BE49-F238E27FC236}">
-                <a16:creationId xmlns:a16="http://schemas.microsoft.com/office/drawing/2014/main" xmlns="" id="{0637E817-E667-4970-B82C-DB7AF664B255}"/>
+                <a16:creationId xmlns="" xmlns:a16="http://schemas.microsoft.com/office/drawing/2014/main" id="{0637E817-E667-4970-B82C-DB7AF664B255}"/>
               </a:ext>
             </a:extLst>
           </p:cNvPr>
@@ -3991,7 +3993,7 @@
           <p:cNvPr id="2" name="Title 1">
             <a:extLst>
               <a:ext uri="{FF2B5EF4-FFF2-40B4-BE49-F238E27FC236}">
-                <a16:creationId xmlns:a16="http://schemas.microsoft.com/office/drawing/2014/main" xmlns="" id="{ACF439F3-2CF1-4F17-BCD4-8BAC49781CFC}"/>
+                <a16:creationId xmlns="" xmlns:a16="http://schemas.microsoft.com/office/drawing/2014/main" id="{ACF439F3-2CF1-4F17-BCD4-8BAC49781CFC}"/>
               </a:ext>
             </a:extLst>
           </p:cNvPr>
@@ -4030,7 +4032,7 @@
           <p:cNvPr id="3" name="Subtitle 2">
             <a:extLst>
               <a:ext uri="{FF2B5EF4-FFF2-40B4-BE49-F238E27FC236}">
-                <a16:creationId xmlns:a16="http://schemas.microsoft.com/office/drawing/2014/main" xmlns="" id="{02124AA9-5DB0-4586-8248-4407F24D01D2}"/>
+                <a16:creationId xmlns="" xmlns:a16="http://schemas.microsoft.com/office/drawing/2014/main" id="{02124AA9-5DB0-4586-8248-4407F24D01D2}"/>
               </a:ext>
             </a:extLst>
           </p:cNvPr>
@@ -4152,7 +4154,7 @@
           <p:cNvPr id="2" name="Title 1">
             <a:extLst>
               <a:ext uri="{FF2B5EF4-FFF2-40B4-BE49-F238E27FC236}">
-                <a16:creationId xmlns:a16="http://schemas.microsoft.com/office/drawing/2014/main" xmlns="" id="{35847233-8BB1-4F2B-8850-F42F74ECBB35}"/>
+                <a16:creationId xmlns="" xmlns:a16="http://schemas.microsoft.com/office/drawing/2014/main" id="{35847233-8BB1-4F2B-8850-F42F74ECBB35}"/>
               </a:ext>
             </a:extLst>
           </p:cNvPr>
@@ -4187,7 +4189,7 @@
           <p:cNvPr id="3" name="Content Placeholder 2">
             <a:extLst>
               <a:ext uri="{FF2B5EF4-FFF2-40B4-BE49-F238E27FC236}">
-                <a16:creationId xmlns:a16="http://schemas.microsoft.com/office/drawing/2014/main" xmlns="" id="{0F37B897-6B6B-4E7B-A5DC-0B6379433040}"/>
+                <a16:creationId xmlns="" xmlns:a16="http://schemas.microsoft.com/office/drawing/2014/main" id="{0F37B897-6B6B-4E7B-A5DC-0B6379433040}"/>
               </a:ext>
             </a:extLst>
           </p:cNvPr>
@@ -4311,7 +4313,7 @@
           <p:cNvPr id="5" name="Content Placeholder 2">
             <a:extLst>
               <a:ext uri="{FF2B5EF4-FFF2-40B4-BE49-F238E27FC236}">
-                <a16:creationId xmlns:a16="http://schemas.microsoft.com/office/drawing/2014/main" xmlns="" id="{0F37B897-6B6B-4E7B-A5DC-0B6379433040}"/>
+                <a16:creationId xmlns="" xmlns:a16="http://schemas.microsoft.com/office/drawing/2014/main" id="{0F37B897-6B6B-4E7B-A5DC-0B6379433040}"/>
               </a:ext>
             </a:extLst>
           </p:cNvPr>
@@ -4758,7 +4760,7 @@
           <p:cNvPr id="2" name="Title 1">
             <a:extLst>
               <a:ext uri="{FF2B5EF4-FFF2-40B4-BE49-F238E27FC236}">
-                <a16:creationId xmlns:a16="http://schemas.microsoft.com/office/drawing/2014/main" xmlns="" id="{A652EAC6-87E9-406B-9F28-72FA1FB151CE}"/>
+                <a16:creationId xmlns="" xmlns:a16="http://schemas.microsoft.com/office/drawing/2014/main" id="{A652EAC6-87E9-406B-9F28-72FA1FB151CE}"/>
               </a:ext>
             </a:extLst>
           </p:cNvPr>
@@ -4786,7 +4788,7 @@
           <p:cNvPr id="3" name="Content Placeholder 2">
             <a:extLst>
               <a:ext uri="{FF2B5EF4-FFF2-40B4-BE49-F238E27FC236}">
-                <a16:creationId xmlns:a16="http://schemas.microsoft.com/office/drawing/2014/main" xmlns="" id="{81E24A57-CAF1-4DC7-A222-3B15D67EA090}"/>
+                <a16:creationId xmlns="" xmlns:a16="http://schemas.microsoft.com/office/drawing/2014/main" id="{81E24A57-CAF1-4DC7-A222-3B15D67EA090}"/>
               </a:ext>
             </a:extLst>
           </p:cNvPr>
@@ -4824,7 +4826,25 @@
               <a:rPr lang="en-US" b="1" dirty="0">
                 <a:sym typeface="Wingdings" panose="05000000000000000000" pitchFamily="2" charset="2"/>
               </a:rPr>
-              <a:t> what sample size within simulation?</a:t>
+              <a:t> what sample size </a:t>
+            </a:r>
+            <a:r>
+              <a:rPr lang="en-US" b="1" i="1" dirty="0" smtClean="0">
+                <a:sym typeface="Wingdings" panose="05000000000000000000" pitchFamily="2" charset="2"/>
+              </a:rPr>
+              <a:t>n</a:t>
+            </a:r>
+            <a:r>
+              <a:rPr lang="en-US" b="1" dirty="0" smtClean="0">
+                <a:sym typeface="Wingdings" panose="05000000000000000000" pitchFamily="2" charset="2"/>
+              </a:rPr>
+              <a:t> within </a:t>
+            </a:r>
+            <a:r>
+              <a:rPr lang="en-US" b="1" dirty="0">
+                <a:sym typeface="Wingdings" panose="05000000000000000000" pitchFamily="2" charset="2"/>
+              </a:rPr>
+              <a:t>simulation?</a:t>
             </a:r>
           </a:p>
           <a:p>
@@ -4835,7 +4855,25 @@
               <a:rPr lang="en-US" b="1" dirty="0">
                 <a:sym typeface="Wingdings" panose="05000000000000000000" pitchFamily="2" charset="2"/>
               </a:rPr>
-              <a:t> how many repeats?</a:t>
+              <a:t> how many </a:t>
+            </a:r>
+            <a:r>
+              <a:rPr lang="en-US" b="1" dirty="0" smtClean="0">
+                <a:sym typeface="Wingdings" panose="05000000000000000000" pitchFamily="2" charset="2"/>
+              </a:rPr>
+              <a:t>repeats </a:t>
+            </a:r>
+            <a:r>
+              <a:rPr lang="en-US" b="1" i="1" dirty="0" err="1" smtClean="0">
+                <a:sym typeface="Wingdings" panose="05000000000000000000" pitchFamily="2" charset="2"/>
+              </a:rPr>
+              <a:t>nrep</a:t>
+            </a:r>
+            <a:r>
+              <a:rPr lang="en-US" b="1" dirty="0" smtClean="0">
+                <a:sym typeface="Wingdings" panose="05000000000000000000" pitchFamily="2" charset="2"/>
+              </a:rPr>
+              <a:t>?</a:t>
             </a:r>
             <a:endParaRPr lang="en-US" b="1" dirty="0"/>
           </a:p>
@@ -5034,6 +5072,14 @@
 <file path=ppt/slides/slide12.xml><?xml version="1.0" encoding="utf-8"?>
 <p:sld xmlns:a="http://schemas.openxmlformats.org/drawingml/2006/main" xmlns:r="http://schemas.openxmlformats.org/officeDocument/2006/relationships" xmlns:p="http://schemas.openxmlformats.org/presentationml/2006/main">
   <p:cSld>
+    <p:bg>
+      <p:bgPr>
+        <a:solidFill>
+          <a:schemeClr val="tx1"/>
+        </a:solidFill>
+        <a:effectLst/>
+      </p:bgPr>
+    </p:bg>
     <p:spTree>
       <p:nvGrpSpPr>
         <p:cNvPr id="1" name=""/>
@@ -5053,7 +5099,7 @@
           <p:cNvPr id="2" name="Title 1">
             <a:extLst>
               <a:ext uri="{FF2B5EF4-FFF2-40B4-BE49-F238E27FC236}">
-                <a16:creationId xmlns:a16="http://schemas.microsoft.com/office/drawing/2014/main" xmlns="" id="{B3742F6C-6FD9-4948-8E4F-06D5ABF7D48B}"/>
+                <a16:creationId xmlns="" xmlns:a16="http://schemas.microsoft.com/office/drawing/2014/main" id="{B3742F6C-6FD9-4948-8E4F-06D5ABF7D48B}"/>
               </a:ext>
             </a:extLst>
           </p:cNvPr>
@@ -5070,7 +5116,11 @@
           <a:lstStyle/>
           <a:p>
             <a:r>
-              <a:rPr lang="en-US" dirty="0"/>
+              <a:rPr lang="en-US" dirty="0">
+                <a:solidFill>
+                  <a:schemeClr val="bg1"/>
+                </a:solidFill>
+              </a:rPr>
               <a:t>Reproducibility in simulation: set the seed</a:t>
             </a:r>
           </a:p>
@@ -5081,7 +5131,7 @@
           <p:cNvPr id="3" name="Content Placeholder 2">
             <a:extLst>
               <a:ext uri="{FF2B5EF4-FFF2-40B4-BE49-F238E27FC236}">
-                <a16:creationId xmlns:a16="http://schemas.microsoft.com/office/drawing/2014/main" xmlns="" id="{46ADE34C-2307-49E4-A4F2-CECA7A0A8DC0}"/>
+                <a16:creationId xmlns="" xmlns:a16="http://schemas.microsoft.com/office/drawing/2014/main" id="{46ADE34C-2307-49E4-A4F2-CECA7A0A8DC0}"/>
               </a:ext>
             </a:extLst>
           </p:cNvPr>
@@ -5098,23 +5148,39 @@
           <a:lstStyle/>
           <a:p>
             <a:r>
-              <a:rPr lang="en-US" b="1" dirty="0" err="1"/>
+              <a:rPr lang="en-US" b="1" dirty="0" err="1">
+                <a:solidFill>
+                  <a:schemeClr val="bg1"/>
+                </a:solidFill>
+              </a:rPr>
               <a:t>set.seed</a:t>
             </a:r>
             <a:r>
-              <a:rPr lang="en-US" dirty="0"/>
+              <a:rPr lang="en-US" dirty="0">
+                <a:solidFill>
+                  <a:schemeClr val="bg1"/>
+                </a:solidFill>
+              </a:rPr>
               <a:t>()</a:t>
             </a:r>
           </a:p>
           <a:p>
-            <a:endParaRPr lang="en-US" dirty="0"/>
+            <a:endParaRPr lang="en-US" dirty="0">
+              <a:solidFill>
+                <a:schemeClr val="bg1"/>
+              </a:solidFill>
+            </a:endParaRPr>
           </a:p>
           <a:p>
             <a:pPr marL="0" indent="0">
               <a:buNone/>
             </a:pPr>
             <a:r>
-              <a:rPr lang="en-US" dirty="0"/>
+              <a:rPr lang="en-US" dirty="0">
+                <a:solidFill>
+                  <a:schemeClr val="bg1"/>
+                </a:solidFill>
+              </a:rPr>
               <a:t>Pseudo-random number generators</a:t>
             </a:r>
           </a:p>
@@ -5123,7 +5189,11 @@
               <a:buNone/>
             </a:pPr>
             <a:r>
-              <a:rPr lang="en-US" dirty="0"/>
+              <a:rPr lang="en-US" dirty="0">
+                <a:solidFill>
+                  <a:schemeClr val="bg1"/>
+                </a:solidFill>
+              </a:rPr>
               <a:t>- generate numbers according to an algorithm</a:t>
             </a:r>
           </a:p>
@@ -5132,7 +5202,11 @@
               <a:buNone/>
             </a:pPr>
             <a:r>
-              <a:rPr lang="en-US" dirty="0"/>
+              <a:rPr lang="en-US" dirty="0">
+                <a:solidFill>
+                  <a:schemeClr val="bg1"/>
+                </a:solidFill>
+              </a:rPr>
               <a:t>- given the same seed it will produce the same numbers</a:t>
             </a:r>
           </a:p>
@@ -5141,7 +5215,11 @@
               <a:buNone/>
             </a:pPr>
             <a:r>
-              <a:rPr lang="en-US" dirty="0"/>
+              <a:rPr lang="en-US" dirty="0">
+                <a:solidFill>
+                  <a:schemeClr val="bg1"/>
+                </a:solidFill>
+              </a:rPr>
               <a:t>  i.e. repeat exactly the same simulation</a:t>
             </a:r>
           </a:p>
@@ -5150,7 +5228,11 @@
               <a:buNone/>
             </a:pPr>
             <a:r>
-              <a:rPr lang="en-US" dirty="0"/>
+              <a:rPr lang="en-US" dirty="0">
+                <a:solidFill>
+                  <a:schemeClr val="bg1"/>
+                </a:solidFill>
+              </a:rPr>
               <a:t>- good for sharing code and simulations, as well as debugging code</a:t>
             </a:r>
           </a:p>
@@ -5236,6 +5318,179 @@
                                     <p:set>
                                       <p:cBhvr>
                                         <p:cTn id="6" dur="1" fill="hold">
+                                          <p:stCondLst>
+                                            <p:cond delay="0"/>
+                                          </p:stCondLst>
+                                        </p:cTn>
+                                        <p:tgtEl>
+                                          <p:spTgt spid="3">
+                                            <p:txEl>
+                                              <p:pRg st="2" end="2"/>
+                                            </p:txEl>
+                                          </p:spTgt>
+                                        </p:tgtEl>
+                                        <p:attrNameLst>
+                                          <p:attrName>style.visibility</p:attrName>
+                                        </p:attrNameLst>
+                                      </p:cBhvr>
+                                      <p:to>
+                                        <p:strVal val="visible"/>
+                                      </p:to>
+                                    </p:set>
+                                  </p:childTnLst>
+                                </p:cTn>
+                              </p:par>
+                              <p:par>
+                                <p:cTn id="7" presetID="1" presetClass="entr" presetSubtype="0" fill="hold" nodeType="withEffect">
+                                  <p:stCondLst>
+                                    <p:cond delay="0"/>
+                                  </p:stCondLst>
+                                  <p:childTnLst>
+                                    <p:set>
+                                      <p:cBhvr>
+                                        <p:cTn id="8" dur="1" fill="hold">
+                                          <p:stCondLst>
+                                            <p:cond delay="0"/>
+                                          </p:stCondLst>
+                                        </p:cTn>
+                                        <p:tgtEl>
+                                          <p:spTgt spid="3">
+                                            <p:txEl>
+                                              <p:pRg st="3" end="3"/>
+                                            </p:txEl>
+                                          </p:spTgt>
+                                        </p:tgtEl>
+                                        <p:attrNameLst>
+                                          <p:attrName>style.visibility</p:attrName>
+                                        </p:attrNameLst>
+                                      </p:cBhvr>
+                                      <p:to>
+                                        <p:strVal val="visible"/>
+                                      </p:to>
+                                    </p:set>
+                                  </p:childTnLst>
+                                </p:cTn>
+                              </p:par>
+                              <p:par>
+                                <p:cTn id="9" presetID="1" presetClass="entr" presetSubtype="0" fill="hold" nodeType="withEffect">
+                                  <p:stCondLst>
+                                    <p:cond delay="0"/>
+                                  </p:stCondLst>
+                                  <p:childTnLst>
+                                    <p:set>
+                                      <p:cBhvr>
+                                        <p:cTn id="10" dur="1" fill="hold">
+                                          <p:stCondLst>
+                                            <p:cond delay="0"/>
+                                          </p:stCondLst>
+                                        </p:cTn>
+                                        <p:tgtEl>
+                                          <p:spTgt spid="3">
+                                            <p:txEl>
+                                              <p:pRg st="4" end="4"/>
+                                            </p:txEl>
+                                          </p:spTgt>
+                                        </p:tgtEl>
+                                        <p:attrNameLst>
+                                          <p:attrName>style.visibility</p:attrName>
+                                        </p:attrNameLst>
+                                      </p:cBhvr>
+                                      <p:to>
+                                        <p:strVal val="visible"/>
+                                      </p:to>
+                                    </p:set>
+                                  </p:childTnLst>
+                                </p:cTn>
+                              </p:par>
+                              <p:par>
+                                <p:cTn id="11" presetID="1" presetClass="entr" presetSubtype="0" fill="hold" nodeType="withEffect">
+                                  <p:stCondLst>
+                                    <p:cond delay="0"/>
+                                  </p:stCondLst>
+                                  <p:childTnLst>
+                                    <p:set>
+                                      <p:cBhvr>
+                                        <p:cTn id="12" dur="1" fill="hold">
+                                          <p:stCondLst>
+                                            <p:cond delay="0"/>
+                                          </p:stCondLst>
+                                        </p:cTn>
+                                        <p:tgtEl>
+                                          <p:spTgt spid="3">
+                                            <p:txEl>
+                                              <p:pRg st="5" end="5"/>
+                                            </p:txEl>
+                                          </p:spTgt>
+                                        </p:tgtEl>
+                                        <p:attrNameLst>
+                                          <p:attrName>style.visibility</p:attrName>
+                                        </p:attrNameLst>
+                                      </p:cBhvr>
+                                      <p:to>
+                                        <p:strVal val="visible"/>
+                                      </p:to>
+                                    </p:set>
+                                  </p:childTnLst>
+                                </p:cTn>
+                              </p:par>
+                              <p:par>
+                                <p:cTn id="13" presetID="1" presetClass="entr" presetSubtype="0" fill="hold" nodeType="withEffect">
+                                  <p:stCondLst>
+                                    <p:cond delay="0"/>
+                                  </p:stCondLst>
+                                  <p:childTnLst>
+                                    <p:set>
+                                      <p:cBhvr>
+                                        <p:cTn id="14" dur="1" fill="hold">
+                                          <p:stCondLst>
+                                            <p:cond delay="0"/>
+                                          </p:stCondLst>
+                                        </p:cTn>
+                                        <p:tgtEl>
+                                          <p:spTgt spid="3">
+                                            <p:txEl>
+                                              <p:pRg st="6" end="6"/>
+                                            </p:txEl>
+                                          </p:spTgt>
+                                        </p:tgtEl>
+                                        <p:attrNameLst>
+                                          <p:attrName>style.visibility</p:attrName>
+                                        </p:attrNameLst>
+                                      </p:cBhvr>
+                                      <p:to>
+                                        <p:strVal val="visible"/>
+                                      </p:to>
+                                    </p:set>
+                                  </p:childTnLst>
+                                </p:cTn>
+                              </p:par>
+                            </p:childTnLst>
+                          </p:cTn>
+                        </p:par>
+                      </p:childTnLst>
+                    </p:cTn>
+                  </p:par>
+                  <p:par>
+                    <p:cTn id="15" fill="hold">
+                      <p:stCondLst>
+                        <p:cond delay="indefinite"/>
+                      </p:stCondLst>
+                      <p:childTnLst>
+                        <p:par>
+                          <p:cTn id="16" fill="hold">
+                            <p:stCondLst>
+                              <p:cond delay="0"/>
+                            </p:stCondLst>
+                            <p:childTnLst>
+                              <p:par>
+                                <p:cTn id="17" presetID="1" presetClass="entr" presetSubtype="0" fill="hold" nodeType="clickEffect">
+                                  <p:stCondLst>
+                                    <p:cond delay="0"/>
+                                  </p:stCondLst>
+                                  <p:childTnLst>
+                                    <p:set>
+                                      <p:cBhvr>
+                                        <p:cTn id="18" dur="1" fill="hold">
                                           <p:stCondLst>
                                             <p:cond delay="0"/>
                                           </p:stCondLst>
@@ -5307,7 +5562,7 @@
           <p:cNvPr id="2" name="Title 1">
             <a:extLst>
               <a:ext uri="{FF2B5EF4-FFF2-40B4-BE49-F238E27FC236}">
-                <a16:creationId xmlns:a16="http://schemas.microsoft.com/office/drawing/2014/main" xmlns="" id="{A652EAC6-87E9-406B-9F28-72FA1FB151CE}"/>
+                <a16:creationId xmlns="" xmlns:a16="http://schemas.microsoft.com/office/drawing/2014/main" id="{A652EAC6-87E9-406B-9F28-72FA1FB151CE}"/>
               </a:ext>
             </a:extLst>
           </p:cNvPr>
@@ -5335,7 +5590,7 @@
           <p:cNvPr id="3" name="Content Placeholder 2">
             <a:extLst>
               <a:ext uri="{FF2B5EF4-FFF2-40B4-BE49-F238E27FC236}">
-                <a16:creationId xmlns:a16="http://schemas.microsoft.com/office/drawing/2014/main" xmlns="" id="{81E24A57-CAF1-4DC7-A222-3B15D67EA090}"/>
+                <a16:creationId xmlns="" xmlns:a16="http://schemas.microsoft.com/office/drawing/2014/main" id="{81E24A57-CAF1-4DC7-A222-3B15D67EA090}"/>
               </a:ext>
             </a:extLst>
           </p:cNvPr>
@@ -5500,7 +5755,7 @@
           <p:cNvPr id="2" name="Title 1">
             <a:extLst>
               <a:ext uri="{FF2B5EF4-FFF2-40B4-BE49-F238E27FC236}">
-                <a16:creationId xmlns:a16="http://schemas.microsoft.com/office/drawing/2014/main" xmlns="" id="{732D0141-B117-43AA-91B6-C7B66A7A598B}"/>
+                <a16:creationId xmlns="" xmlns:a16="http://schemas.microsoft.com/office/drawing/2014/main" id="{732D0141-B117-43AA-91B6-C7B66A7A598B}"/>
               </a:ext>
             </a:extLst>
           </p:cNvPr>
@@ -5530,7 +5785,7 @@
           <p:cNvPr id="5" name="Picture 4">
             <a:extLst>
               <a:ext uri="{FF2B5EF4-FFF2-40B4-BE49-F238E27FC236}">
-                <a16:creationId xmlns:a16="http://schemas.microsoft.com/office/drawing/2014/main" xmlns="" id="{D84E0351-FA91-4533-8202-3CD068DF6B60}"/>
+                <a16:creationId xmlns="" xmlns:a16="http://schemas.microsoft.com/office/drawing/2014/main" id="{D84E0351-FA91-4533-8202-3CD068DF6B60}"/>
               </a:ext>
             </a:extLst>
           </p:cNvPr>
@@ -5560,7 +5815,7 @@
           <p:cNvPr id="6" name="Content Placeholder 2">
             <a:extLst>
               <a:ext uri="{FF2B5EF4-FFF2-40B4-BE49-F238E27FC236}">
-                <a16:creationId xmlns:a16="http://schemas.microsoft.com/office/drawing/2014/main" xmlns="" id="{912B240B-DAB7-4BB7-B356-3202E3E3E3FC}"/>
+                <a16:creationId xmlns="" xmlns:a16="http://schemas.microsoft.com/office/drawing/2014/main" id="{912B240B-DAB7-4BB7-B356-3202E3E3E3FC}"/>
               </a:ext>
             </a:extLst>
           </p:cNvPr>
@@ -5793,7 +6048,7 @@
           <p:cNvPr id="3" name="Picture 2">
             <a:extLst>
               <a:ext uri="{FF2B5EF4-FFF2-40B4-BE49-F238E27FC236}">
-                <a16:creationId xmlns:a16="http://schemas.microsoft.com/office/drawing/2014/main" xmlns="" id="{E01F957F-6868-4192-AA2A-5E19EEAF6B2C}"/>
+                <a16:creationId xmlns="" xmlns:a16="http://schemas.microsoft.com/office/drawing/2014/main" id="{E01F957F-6868-4192-AA2A-5E19EEAF6B2C}"/>
               </a:ext>
             </a:extLst>
           </p:cNvPr>
@@ -5823,7 +6078,7 @@
           <p:cNvPr id="2" name="Title 1">
             <a:extLst>
               <a:ext uri="{FF2B5EF4-FFF2-40B4-BE49-F238E27FC236}">
-                <a16:creationId xmlns:a16="http://schemas.microsoft.com/office/drawing/2014/main" xmlns="" id="{732D0141-B117-43AA-91B6-C7B66A7A598B}"/>
+                <a16:creationId xmlns="" xmlns:a16="http://schemas.microsoft.com/office/drawing/2014/main" id="{732D0141-B117-43AA-91B6-C7B66A7A598B}"/>
               </a:ext>
             </a:extLst>
           </p:cNvPr>
@@ -5858,7 +6113,7 @@
           <p:cNvPr id="7" name="Straight Connector 6">
             <a:extLst>
               <a:ext uri="{FF2B5EF4-FFF2-40B4-BE49-F238E27FC236}">
-                <a16:creationId xmlns:a16="http://schemas.microsoft.com/office/drawing/2014/main" xmlns="" id="{3ADE4082-593D-40A5-A556-3FF42FD4F3C0}"/>
+                <a16:creationId xmlns="" xmlns:a16="http://schemas.microsoft.com/office/drawing/2014/main" id="{3ADE4082-593D-40A5-A556-3FF42FD4F3C0}"/>
               </a:ext>
             </a:extLst>
           </p:cNvPr>
@@ -5899,7 +6154,7 @@
           <p:cNvPr id="8" name="TextBox 7">
             <a:extLst>
               <a:ext uri="{FF2B5EF4-FFF2-40B4-BE49-F238E27FC236}">
-                <a16:creationId xmlns:a16="http://schemas.microsoft.com/office/drawing/2014/main" xmlns="" id="{BAC7E5E1-9EAC-4472-9C1C-C50FEB4D0C7F}"/>
+                <a16:creationId xmlns="" xmlns:a16="http://schemas.microsoft.com/office/drawing/2014/main" id="{BAC7E5E1-9EAC-4472-9C1C-C50FEB4D0C7F}"/>
               </a:ext>
             </a:extLst>
           </p:cNvPr>
@@ -5934,7 +6189,7 @@
           <p:cNvPr id="9" name="Straight Connector 8">
             <a:extLst>
               <a:ext uri="{FF2B5EF4-FFF2-40B4-BE49-F238E27FC236}">
-                <a16:creationId xmlns:a16="http://schemas.microsoft.com/office/drawing/2014/main" xmlns="" id="{09ACAE85-82DB-4A1F-BED0-A2D9716C540F}"/>
+                <a16:creationId xmlns="" xmlns:a16="http://schemas.microsoft.com/office/drawing/2014/main" id="{09ACAE85-82DB-4A1F-BED0-A2D9716C540F}"/>
               </a:ext>
             </a:extLst>
           </p:cNvPr>
@@ -5976,7 +6231,7 @@
           <p:cNvPr id="10" name="TextBox 9">
             <a:extLst>
               <a:ext uri="{FF2B5EF4-FFF2-40B4-BE49-F238E27FC236}">
-                <a16:creationId xmlns:a16="http://schemas.microsoft.com/office/drawing/2014/main" xmlns="" id="{CB9FBB51-70B8-441F-9EE9-B0FDD743D4C9}"/>
+                <a16:creationId xmlns="" xmlns:a16="http://schemas.microsoft.com/office/drawing/2014/main" id="{CB9FBB51-70B8-441F-9EE9-B0FDD743D4C9}"/>
               </a:ext>
             </a:extLst>
           </p:cNvPr>
@@ -6048,7 +6303,7 @@
           <p:cNvPr id="2" name="Title 1">
             <a:extLst>
               <a:ext uri="{FF2B5EF4-FFF2-40B4-BE49-F238E27FC236}">
-                <a16:creationId xmlns:a16="http://schemas.microsoft.com/office/drawing/2014/main" xmlns="" id="{732D0141-B117-43AA-91B6-C7B66A7A598B}"/>
+                <a16:creationId xmlns="" xmlns:a16="http://schemas.microsoft.com/office/drawing/2014/main" id="{732D0141-B117-43AA-91B6-C7B66A7A598B}"/>
               </a:ext>
             </a:extLst>
           </p:cNvPr>
@@ -6086,7 +6341,7 @@
           <p:cNvPr id="3" name="Picture 2">
             <a:extLst>
               <a:ext uri="{FF2B5EF4-FFF2-40B4-BE49-F238E27FC236}">
-                <a16:creationId xmlns:a16="http://schemas.microsoft.com/office/drawing/2014/main" xmlns="" id="{A2320F84-BB83-4061-85A1-71E97E219203}"/>
+                <a16:creationId xmlns="" xmlns:a16="http://schemas.microsoft.com/office/drawing/2014/main" id="{A2320F84-BB83-4061-85A1-71E97E219203}"/>
               </a:ext>
             </a:extLst>
           </p:cNvPr>
@@ -6153,7 +6408,7 @@
           <p:cNvPr id="2" name="Title 1">
             <a:extLst>
               <a:ext uri="{FF2B5EF4-FFF2-40B4-BE49-F238E27FC236}">
-                <a16:creationId xmlns:a16="http://schemas.microsoft.com/office/drawing/2014/main" xmlns="" id="{732D0141-B117-43AA-91B6-C7B66A7A598B}"/>
+                <a16:creationId xmlns="" xmlns:a16="http://schemas.microsoft.com/office/drawing/2014/main" id="{732D0141-B117-43AA-91B6-C7B66A7A598B}"/>
               </a:ext>
             </a:extLst>
           </p:cNvPr>
@@ -6188,7 +6443,7 @@
           <p:cNvPr id="7" name="Straight Connector 6">
             <a:extLst>
               <a:ext uri="{FF2B5EF4-FFF2-40B4-BE49-F238E27FC236}">
-                <a16:creationId xmlns:a16="http://schemas.microsoft.com/office/drawing/2014/main" xmlns="" id="{3ADE4082-593D-40A5-A556-3FF42FD4F3C0}"/>
+                <a16:creationId xmlns="" xmlns:a16="http://schemas.microsoft.com/office/drawing/2014/main" id="{3ADE4082-593D-40A5-A556-3FF42FD4F3C0}"/>
               </a:ext>
             </a:extLst>
           </p:cNvPr>
@@ -6229,7 +6484,7 @@
           <p:cNvPr id="8" name="TextBox 7">
             <a:extLst>
               <a:ext uri="{FF2B5EF4-FFF2-40B4-BE49-F238E27FC236}">
-                <a16:creationId xmlns:a16="http://schemas.microsoft.com/office/drawing/2014/main" xmlns="" id="{BAC7E5E1-9EAC-4472-9C1C-C50FEB4D0C7F}"/>
+                <a16:creationId xmlns="" xmlns:a16="http://schemas.microsoft.com/office/drawing/2014/main" id="{BAC7E5E1-9EAC-4472-9C1C-C50FEB4D0C7F}"/>
               </a:ext>
             </a:extLst>
           </p:cNvPr>
@@ -6264,7 +6519,7 @@
           <p:cNvPr id="9" name="Straight Connector 8">
             <a:extLst>
               <a:ext uri="{FF2B5EF4-FFF2-40B4-BE49-F238E27FC236}">
-                <a16:creationId xmlns:a16="http://schemas.microsoft.com/office/drawing/2014/main" xmlns="" id="{09ACAE85-82DB-4A1F-BED0-A2D9716C540F}"/>
+                <a16:creationId xmlns="" xmlns:a16="http://schemas.microsoft.com/office/drawing/2014/main" id="{09ACAE85-82DB-4A1F-BED0-A2D9716C540F}"/>
               </a:ext>
             </a:extLst>
           </p:cNvPr>
@@ -6306,7 +6561,7 @@
           <p:cNvPr id="10" name="TextBox 9">
             <a:extLst>
               <a:ext uri="{FF2B5EF4-FFF2-40B4-BE49-F238E27FC236}">
-                <a16:creationId xmlns:a16="http://schemas.microsoft.com/office/drawing/2014/main" xmlns="" id="{CB9FBB51-70B8-441F-9EE9-B0FDD743D4C9}"/>
+                <a16:creationId xmlns="" xmlns:a16="http://schemas.microsoft.com/office/drawing/2014/main" id="{CB9FBB51-70B8-441F-9EE9-B0FDD743D4C9}"/>
               </a:ext>
             </a:extLst>
           </p:cNvPr>
@@ -6341,7 +6596,7 @@
           <p:cNvPr id="4" name="Picture 3">
             <a:extLst>
               <a:ext uri="{FF2B5EF4-FFF2-40B4-BE49-F238E27FC236}">
-                <a16:creationId xmlns:a16="http://schemas.microsoft.com/office/drawing/2014/main" xmlns="" id="{2545A3E4-54A6-4440-8002-328E637A23FB}"/>
+                <a16:creationId xmlns="" xmlns:a16="http://schemas.microsoft.com/office/drawing/2014/main" id="{2545A3E4-54A6-4440-8002-328E637A23FB}"/>
               </a:ext>
             </a:extLst>
           </p:cNvPr>
@@ -6408,7 +6663,7 @@
           <p:cNvPr id="2" name="Title 1">
             <a:extLst>
               <a:ext uri="{FF2B5EF4-FFF2-40B4-BE49-F238E27FC236}">
-                <a16:creationId xmlns:a16="http://schemas.microsoft.com/office/drawing/2014/main" xmlns="" id="{732D0141-B117-43AA-91B6-C7B66A7A598B}"/>
+                <a16:creationId xmlns="" xmlns:a16="http://schemas.microsoft.com/office/drawing/2014/main" id="{732D0141-B117-43AA-91B6-C7B66A7A598B}"/>
               </a:ext>
             </a:extLst>
           </p:cNvPr>
@@ -6446,7 +6701,7 @@
           <p:cNvPr id="4" name="Picture 3">
             <a:extLst>
               <a:ext uri="{FF2B5EF4-FFF2-40B4-BE49-F238E27FC236}">
-                <a16:creationId xmlns:a16="http://schemas.microsoft.com/office/drawing/2014/main" xmlns="" id="{BA86440E-0716-4F34-A7FC-92313DDF7588}"/>
+                <a16:creationId xmlns="" xmlns:a16="http://schemas.microsoft.com/office/drawing/2014/main" id="{BA86440E-0716-4F34-A7FC-92313DDF7588}"/>
               </a:ext>
             </a:extLst>
           </p:cNvPr>
@@ -6513,7 +6768,7 @@
           <p:cNvPr id="2" name="Title 1">
             <a:extLst>
               <a:ext uri="{FF2B5EF4-FFF2-40B4-BE49-F238E27FC236}">
-                <a16:creationId xmlns:a16="http://schemas.microsoft.com/office/drawing/2014/main" xmlns="" id="{A652EAC6-87E9-406B-9F28-72FA1FB151CE}"/>
+                <a16:creationId xmlns="" xmlns:a16="http://schemas.microsoft.com/office/drawing/2014/main" id="{A652EAC6-87E9-406B-9F28-72FA1FB151CE}"/>
               </a:ext>
             </a:extLst>
           </p:cNvPr>
@@ -6541,7 +6796,7 @@
           <p:cNvPr id="3" name="Content Placeholder 2">
             <a:extLst>
               <a:ext uri="{FF2B5EF4-FFF2-40B4-BE49-F238E27FC236}">
-                <a16:creationId xmlns:a16="http://schemas.microsoft.com/office/drawing/2014/main" xmlns="" id="{81E24A57-CAF1-4DC7-A222-3B15D67EA090}"/>
+                <a16:creationId xmlns="" xmlns:a16="http://schemas.microsoft.com/office/drawing/2014/main" id="{81E24A57-CAF1-4DC7-A222-3B15D67EA090}"/>
               </a:ext>
             </a:extLst>
           </p:cNvPr>
@@ -6606,7 +6861,25 @@
             </a:r>
             <a:r>
               <a:rPr lang="en-US" dirty="0"/>
-              <a:t> sample size that is relevant to the context of the simulation, the sample size you can reach in your study</a:t>
+              <a:t> sample size that is relevant to the context of the simulation, </a:t>
+            </a:r>
+            <a:endParaRPr lang="en-US" dirty="0" smtClean="0"/>
+          </a:p>
+          <a:p>
+            <a:pPr marL="0" indent="0">
+              <a:buNone/>
+            </a:pPr>
+            <a:r>
+              <a:rPr lang="en-US" dirty="0" smtClean="0"/>
+              <a:t>	i.e. </a:t>
+            </a:r>
+            <a:r>
+              <a:rPr lang="en-US" dirty="0" smtClean="0"/>
+              <a:t>the </a:t>
+            </a:r>
+            <a:r>
+              <a:rPr lang="en-US" dirty="0"/>
+              <a:t>sample size you can reach in your study</a:t>
             </a:r>
           </a:p>
           <a:p>
@@ -6622,8 +6895,29 @@
             </a:pPr>
             <a:r>
               <a:rPr lang="en-US" dirty="0"/>
-              <a:t>Sampling theory applies to the number of simulations just as much as the sample size within a simulation</a:t>
-            </a:r>
+              <a:t>Sampling theory applies to the number of simulations </a:t>
+            </a:r>
+            <a:r>
+              <a:rPr lang="en-US" i="1" dirty="0" err="1" smtClean="0"/>
+              <a:t>nrep</a:t>
+            </a:r>
+            <a:r>
+              <a:rPr lang="en-US" dirty="0" smtClean="0"/>
+              <a:t> just </a:t>
+            </a:r>
+            <a:r>
+              <a:rPr lang="en-US" dirty="0"/>
+              <a:t>as much as the sample size within a </a:t>
+            </a:r>
+            <a:r>
+              <a:rPr lang="en-US" dirty="0" smtClean="0"/>
+              <a:t>simulation </a:t>
+            </a:r>
+            <a:r>
+              <a:rPr lang="en-US" i="1" dirty="0" smtClean="0"/>
+              <a:t>n</a:t>
+            </a:r>
+            <a:endParaRPr lang="en-US" i="1" dirty="0"/>
           </a:p>
         </p:txBody>
       </p:sp>
@@ -6737,6 +7031,37 @@
                                   </p:childTnLst>
                                 </p:cTn>
                               </p:par>
+                              <p:par>
+                                <p:cTn id="11" presetID="1" presetClass="entr" presetSubtype="0" fill="hold" nodeType="withEffect">
+                                  <p:stCondLst>
+                                    <p:cond delay="0"/>
+                                  </p:stCondLst>
+                                  <p:childTnLst>
+                                    <p:set>
+                                      <p:cBhvr>
+                                        <p:cTn id="12" dur="1" fill="hold">
+                                          <p:stCondLst>
+                                            <p:cond delay="0"/>
+                                          </p:stCondLst>
+                                        </p:cTn>
+                                        <p:tgtEl>
+                                          <p:spTgt spid="3">
+                                            <p:txEl>
+                                              <p:pRg st="4" end="4"/>
+                                            </p:txEl>
+                                          </p:spTgt>
+                                        </p:tgtEl>
+                                        <p:attrNameLst>
+                                          <p:attrName>style.visibility</p:attrName>
+                                        </p:attrNameLst>
+                                      </p:cBhvr>
+                                      <p:to>
+                                        <p:strVal val="visible"/>
+                                      </p:to>
+                                    </p:set>
+                                  </p:childTnLst>
+                                </p:cTn>
+                              </p:par>
                             </p:childTnLst>
                           </p:cTn>
                         </p:par>
@@ -6744,26 +7069,26 @@
                     </p:cTn>
                   </p:par>
                   <p:par>
-                    <p:cTn id="11" fill="hold">
+                    <p:cTn id="13" fill="hold">
                       <p:stCondLst>
                         <p:cond delay="indefinite"/>
                       </p:stCondLst>
                       <p:childTnLst>
                         <p:par>
-                          <p:cTn id="12" fill="hold">
+                          <p:cTn id="14" fill="hold">
                             <p:stCondLst>
                               <p:cond delay="0"/>
                             </p:stCondLst>
                             <p:childTnLst>
                               <p:par>
-                                <p:cTn id="13" presetID="1" presetClass="entr" presetSubtype="0" fill="hold" nodeType="clickEffect">
+                                <p:cTn id="15" presetID="1" presetClass="entr" presetSubtype="0" fill="hold" nodeType="clickEffect">
                                   <p:stCondLst>
                                     <p:cond delay="0"/>
                                   </p:stCondLst>
                                   <p:childTnLst>
                                     <p:set>
                                       <p:cBhvr>
-                                        <p:cTn id="14" dur="1" fill="hold">
+                                        <p:cTn id="16" dur="1" fill="hold">
                                           <p:stCondLst>
                                             <p:cond delay="0"/>
                                           </p:stCondLst>
@@ -6771,7 +7096,7 @@
                                         <p:tgtEl>
                                           <p:spTgt spid="3">
                                             <p:txEl>
-                                              <p:pRg st="5" end="5"/>
+                                              <p:pRg st="6" end="6"/>
                                             </p:txEl>
                                           </p:spTgt>
                                         </p:tgtEl>
@@ -6847,7 +7172,7 @@
           <p:cNvPr id="3" name="Content Placeholder 2">
             <a:extLst>
               <a:ext uri="{FF2B5EF4-FFF2-40B4-BE49-F238E27FC236}">
-                <a16:creationId xmlns:a16="http://schemas.microsoft.com/office/drawing/2014/main" xmlns="" id="{501DF172-0ED1-4C5F-8C14-8DE4FE261FB0}"/>
+                <a16:creationId xmlns="" xmlns:a16="http://schemas.microsoft.com/office/drawing/2014/main" id="{501DF172-0ED1-4C5F-8C14-8DE4FE261FB0}"/>
               </a:ext>
             </a:extLst>
           </p:cNvPr>
@@ -7184,7 +7509,7 @@
           <p:cNvPr id="2" name="Title 1">
             <a:extLst>
               <a:ext uri="{FF2B5EF4-FFF2-40B4-BE49-F238E27FC236}">
-                <a16:creationId xmlns:a16="http://schemas.microsoft.com/office/drawing/2014/main" xmlns="" id="{732D0141-B117-43AA-91B6-C7B66A7A598B}"/>
+                <a16:creationId xmlns="" xmlns:a16="http://schemas.microsoft.com/office/drawing/2014/main" id="{732D0141-B117-43AA-91B6-C7B66A7A598B}"/>
               </a:ext>
             </a:extLst>
           </p:cNvPr>
@@ -7222,7 +7547,7 @@
           <p:cNvPr id="3" name="Picture 2">
             <a:extLst>
               <a:ext uri="{FF2B5EF4-FFF2-40B4-BE49-F238E27FC236}">
-                <a16:creationId xmlns:a16="http://schemas.microsoft.com/office/drawing/2014/main" xmlns="" id="{A2320F84-BB83-4061-85A1-71E97E219203}"/>
+                <a16:creationId xmlns="" xmlns:a16="http://schemas.microsoft.com/office/drawing/2014/main" id="{A2320F84-BB83-4061-85A1-71E97E219203}"/>
               </a:ext>
             </a:extLst>
           </p:cNvPr>
@@ -7289,7 +7614,7 @@
           <p:cNvPr id="2" name="Title 1">
             <a:extLst>
               <a:ext uri="{FF2B5EF4-FFF2-40B4-BE49-F238E27FC236}">
-                <a16:creationId xmlns:a16="http://schemas.microsoft.com/office/drawing/2014/main" xmlns="" id="{732D0141-B117-43AA-91B6-C7B66A7A598B}"/>
+                <a16:creationId xmlns="" xmlns:a16="http://schemas.microsoft.com/office/drawing/2014/main" id="{732D0141-B117-43AA-91B6-C7B66A7A598B}"/>
               </a:ext>
             </a:extLst>
           </p:cNvPr>
@@ -7335,7 +7660,7 @@
           <p:cNvPr id="4" name="Picture 3">
             <a:extLst>
               <a:ext uri="{FF2B5EF4-FFF2-40B4-BE49-F238E27FC236}">
-                <a16:creationId xmlns:a16="http://schemas.microsoft.com/office/drawing/2014/main" xmlns="" id="{FFD1D79D-D33F-47B9-BFE8-3B37D9C519FD}"/>
+                <a16:creationId xmlns="" xmlns:a16="http://schemas.microsoft.com/office/drawing/2014/main" id="{FFD1D79D-D33F-47B9-BFE8-3B37D9C519FD}"/>
               </a:ext>
             </a:extLst>
           </p:cNvPr>
@@ -7402,7 +7727,7 @@
           <p:cNvPr id="2" name="Title 1">
             <a:extLst>
               <a:ext uri="{FF2B5EF4-FFF2-40B4-BE49-F238E27FC236}">
-                <a16:creationId xmlns:a16="http://schemas.microsoft.com/office/drawing/2014/main" xmlns="" id="{EF8EB67B-204C-40FB-AE47-9003FE0A0C9F}"/>
+                <a16:creationId xmlns="" xmlns:a16="http://schemas.microsoft.com/office/drawing/2014/main" id="{EF8EB67B-204C-40FB-AE47-9003FE0A0C9F}"/>
               </a:ext>
             </a:extLst>
           </p:cNvPr>
@@ -7430,7 +7755,7 @@
           <p:cNvPr id="3" name="Content Placeholder 2">
             <a:extLst>
               <a:ext uri="{FF2B5EF4-FFF2-40B4-BE49-F238E27FC236}">
-                <a16:creationId xmlns:a16="http://schemas.microsoft.com/office/drawing/2014/main" xmlns="" id="{C5F3931D-2224-4825-A6A4-E5BD7CE7911F}"/>
+                <a16:creationId xmlns="" xmlns:a16="http://schemas.microsoft.com/office/drawing/2014/main" id="{C5F3931D-2224-4825-A6A4-E5BD7CE7911F}"/>
               </a:ext>
             </a:extLst>
           </p:cNvPr>
@@ -7496,7 +7821,15 @@
             </a:pPr>
             <a:r>
               <a:rPr lang="en-US" dirty="0"/>
-              <a:t>- number of simulations - want a sufficient number to obtain a good representation of distribution of simulation results e.g. 1000</a:t>
+              <a:t>- number of simulations - want a </a:t>
+            </a:r>
+            <a:r>
+              <a:rPr lang="en-US" dirty="0" smtClean="0"/>
+              <a:t>big enough number </a:t>
+            </a:r>
+            <a:r>
+              <a:rPr lang="en-US" dirty="0"/>
+              <a:t>to obtain a good representation of distribution of simulation results e.g. 1000</a:t>
             </a:r>
           </a:p>
         </p:txBody>
@@ -8091,7 +8424,7 @@
           <p:cNvPr id="2" name="Title 1">
             <a:extLst>
               <a:ext uri="{FF2B5EF4-FFF2-40B4-BE49-F238E27FC236}">
-                <a16:creationId xmlns:a16="http://schemas.microsoft.com/office/drawing/2014/main" xmlns="" id="{EF8EB67B-204C-40FB-AE47-9003FE0A0C9F}"/>
+                <a16:creationId xmlns="" xmlns:a16="http://schemas.microsoft.com/office/drawing/2014/main" id="{EF8EB67B-204C-40FB-AE47-9003FE0A0C9F}"/>
               </a:ext>
             </a:extLst>
           </p:cNvPr>
@@ -8120,7 +8453,7 @@
           <p:cNvPr id="3" name="Content Placeholder 2">
             <a:extLst>
               <a:ext uri="{FF2B5EF4-FFF2-40B4-BE49-F238E27FC236}">
-                <a16:creationId xmlns:a16="http://schemas.microsoft.com/office/drawing/2014/main" xmlns="" id="{C5F3931D-2224-4825-A6A4-E5BD7CE7911F}"/>
+                <a16:creationId xmlns="" xmlns:a16="http://schemas.microsoft.com/office/drawing/2014/main" id="{C5F3931D-2224-4825-A6A4-E5BD7CE7911F}"/>
               </a:ext>
             </a:extLst>
           </p:cNvPr>
@@ -8341,7 +8674,7 @@
           <p:cNvPr id="2" name="Title 1">
             <a:extLst>
               <a:ext uri="{FF2B5EF4-FFF2-40B4-BE49-F238E27FC236}">
-                <a16:creationId xmlns:a16="http://schemas.microsoft.com/office/drawing/2014/main" xmlns="" id="{35847233-8BB1-4F2B-8850-F42F74ECBB35}"/>
+                <a16:creationId xmlns="" xmlns:a16="http://schemas.microsoft.com/office/drawing/2014/main" id="{35847233-8BB1-4F2B-8850-F42F74ECBB35}"/>
               </a:ext>
             </a:extLst>
           </p:cNvPr>
@@ -8376,7 +8709,7 @@
           <p:cNvPr id="3" name="Content Placeholder 2">
             <a:extLst>
               <a:ext uri="{FF2B5EF4-FFF2-40B4-BE49-F238E27FC236}">
-                <a16:creationId xmlns:a16="http://schemas.microsoft.com/office/drawing/2014/main" xmlns="" id="{0F37B897-6B6B-4E7B-A5DC-0B6379433040}"/>
+                <a16:creationId xmlns="" xmlns:a16="http://schemas.microsoft.com/office/drawing/2014/main" id="{0F37B897-6B6B-4E7B-A5DC-0B6379433040}"/>
               </a:ext>
             </a:extLst>
           </p:cNvPr>
@@ -8562,7 +8895,7 @@
           <p:cNvPr id="2" name="Title 1">
             <a:extLst>
               <a:ext uri="{FF2B5EF4-FFF2-40B4-BE49-F238E27FC236}">
-                <a16:creationId xmlns:a16="http://schemas.microsoft.com/office/drawing/2014/main" xmlns="" id="{35847233-8BB1-4F2B-8850-F42F74ECBB35}"/>
+                <a16:creationId xmlns="" xmlns:a16="http://schemas.microsoft.com/office/drawing/2014/main" id="{35847233-8BB1-4F2B-8850-F42F74ECBB35}"/>
               </a:ext>
             </a:extLst>
           </p:cNvPr>
@@ -8597,7 +8930,7 @@
           <p:cNvPr id="3" name="Content Placeholder 2">
             <a:extLst>
               <a:ext uri="{FF2B5EF4-FFF2-40B4-BE49-F238E27FC236}">
-                <a16:creationId xmlns:a16="http://schemas.microsoft.com/office/drawing/2014/main" xmlns="" id="{0F37B897-6B6B-4E7B-A5DC-0B6379433040}"/>
+                <a16:creationId xmlns="" xmlns:a16="http://schemas.microsoft.com/office/drawing/2014/main" id="{0F37B897-6B6B-4E7B-A5DC-0B6379433040}"/>
               </a:ext>
             </a:extLst>
           </p:cNvPr>
@@ -8853,7 +9186,19 @@
               <a:rPr lang="en-US" dirty="0" smtClean="0">
                 <a:sym typeface="Wingdings" panose="05000000000000000000" pitchFamily="2" charset="2"/>
               </a:rPr>
-              <a:t> draw from the same distribution twice and see if the sample differ from each other, will they differ significantly in 5% of the cases?</a:t>
+              <a:t> draw from the same distribution twice and see if the sample differ from each </a:t>
+            </a:r>
+            <a:r>
+              <a:rPr lang="en-US" dirty="0" smtClean="0">
+                <a:sym typeface="Wingdings" panose="05000000000000000000" pitchFamily="2" charset="2"/>
+              </a:rPr>
+              <a:t>other: </a:t>
+            </a:r>
+            <a:r>
+              <a:rPr lang="en-US" dirty="0" smtClean="0">
+                <a:sym typeface="Wingdings" panose="05000000000000000000" pitchFamily="2" charset="2"/>
+              </a:rPr>
+              <a:t>will they differ significantly in 5% of the cases?</a:t>
             </a:r>
             <a:endParaRPr lang="en-US" dirty="0"/>
           </a:p>
@@ -8872,7 +9217,79 @@
   <p:timing>
     <p:tnLst>
       <p:par>
-        <p:cTn id="1" dur="indefinite" restart="never" nodeType="tmRoot"/>
+        <p:cTn id="1" dur="indefinite" restart="never" nodeType="tmRoot">
+          <p:childTnLst>
+            <p:seq concurrent="1" nextAc="seek">
+              <p:cTn id="2" dur="indefinite" nodeType="mainSeq">
+                <p:childTnLst>
+                  <p:par>
+                    <p:cTn id="3" fill="hold">
+                      <p:stCondLst>
+                        <p:cond delay="indefinite"/>
+                      </p:stCondLst>
+                      <p:childTnLst>
+                        <p:par>
+                          <p:cTn id="4" fill="hold">
+                            <p:stCondLst>
+                              <p:cond delay="0"/>
+                            </p:stCondLst>
+                            <p:childTnLst>
+                              <p:par>
+                                <p:cTn id="5" presetID="1" presetClass="entr" presetSubtype="0" fill="hold" nodeType="clickEffect">
+                                  <p:stCondLst>
+                                    <p:cond delay="0"/>
+                                  </p:stCondLst>
+                                  <p:childTnLst>
+                                    <p:set>
+                                      <p:cBhvr>
+                                        <p:cTn id="6" dur="1" fill="hold">
+                                          <p:stCondLst>
+                                            <p:cond delay="0"/>
+                                          </p:stCondLst>
+                                        </p:cTn>
+                                        <p:tgtEl>
+                                          <p:spTgt spid="3">
+                                            <p:txEl>
+                                              <p:pRg st="2" end="2"/>
+                                            </p:txEl>
+                                          </p:spTgt>
+                                        </p:tgtEl>
+                                        <p:attrNameLst>
+                                          <p:attrName>style.visibility</p:attrName>
+                                        </p:attrNameLst>
+                                      </p:cBhvr>
+                                      <p:to>
+                                        <p:strVal val="visible"/>
+                                      </p:to>
+                                    </p:set>
+                                  </p:childTnLst>
+                                </p:cTn>
+                              </p:par>
+                            </p:childTnLst>
+                          </p:cTn>
+                        </p:par>
+                      </p:childTnLst>
+                    </p:cTn>
+                  </p:par>
+                </p:childTnLst>
+              </p:cTn>
+              <p:prevCondLst>
+                <p:cond evt="onPrev" delay="0">
+                  <p:tgtEl>
+                    <p:sldTgt/>
+                  </p:tgtEl>
+                </p:cond>
+              </p:prevCondLst>
+              <p:nextCondLst>
+                <p:cond evt="onNext" delay="0">
+                  <p:tgtEl>
+                    <p:sldTgt/>
+                  </p:tgtEl>
+                </p:cond>
+              </p:nextCondLst>
+            </p:seq>
+          </p:childTnLst>
+        </p:cTn>
       </p:par>
     </p:tnLst>
   </p:timing>
@@ -8909,7 +9326,7 @@
           <p:cNvPr id="2" name="Title 1">
             <a:extLst>
               <a:ext uri="{FF2B5EF4-FFF2-40B4-BE49-F238E27FC236}">
-                <a16:creationId xmlns:a16="http://schemas.microsoft.com/office/drawing/2014/main" xmlns="" id="{35847233-8BB1-4F2B-8850-F42F74ECBB35}"/>
+                <a16:creationId xmlns="" xmlns:a16="http://schemas.microsoft.com/office/drawing/2014/main" id="{35847233-8BB1-4F2B-8850-F42F74ECBB35}"/>
               </a:ext>
             </a:extLst>
           </p:cNvPr>
@@ -8944,7 +9361,7 @@
           <p:cNvPr id="3" name="Content Placeholder 2">
             <a:extLst>
               <a:ext uri="{FF2B5EF4-FFF2-40B4-BE49-F238E27FC236}">
-                <a16:creationId xmlns:a16="http://schemas.microsoft.com/office/drawing/2014/main" xmlns="" id="{0F37B897-6B6B-4E7B-A5DC-0B6379433040}"/>
+                <a16:creationId xmlns="" xmlns:a16="http://schemas.microsoft.com/office/drawing/2014/main" id="{0F37B897-6B6B-4E7B-A5DC-0B6379433040}"/>
               </a:ext>
             </a:extLst>
           </p:cNvPr>
@@ -9192,7 +9609,7 @@
           <p:cNvPr id="2" name="Title 1">
             <a:extLst>
               <a:ext uri="{FF2B5EF4-FFF2-40B4-BE49-F238E27FC236}">
-                <a16:creationId xmlns:a16="http://schemas.microsoft.com/office/drawing/2014/main" xmlns="" id="{35847233-8BB1-4F2B-8850-F42F74ECBB35}"/>
+                <a16:creationId xmlns="" xmlns:a16="http://schemas.microsoft.com/office/drawing/2014/main" id="{35847233-8BB1-4F2B-8850-F42F74ECBB35}"/>
               </a:ext>
             </a:extLst>
           </p:cNvPr>
@@ -9227,7 +9644,7 @@
           <p:cNvPr id="3" name="Content Placeholder 2">
             <a:extLst>
               <a:ext uri="{FF2B5EF4-FFF2-40B4-BE49-F238E27FC236}">
-                <a16:creationId xmlns:a16="http://schemas.microsoft.com/office/drawing/2014/main" xmlns="" id="{0F37B897-6B6B-4E7B-A5DC-0B6379433040}"/>
+                <a16:creationId xmlns="" xmlns:a16="http://schemas.microsoft.com/office/drawing/2014/main" id="{0F37B897-6B6B-4E7B-A5DC-0B6379433040}"/>
               </a:ext>
             </a:extLst>
           </p:cNvPr>
@@ -9261,7 +9678,23 @@
                   <a:schemeClr val="bg1"/>
                 </a:solidFill>
               </a:rPr>
-              <a:t>Write a function to generate two vectors </a:t>
+              <a:t>Write a function </a:t>
+            </a:r>
+            <a:r>
+              <a:rPr lang="en-US" sz="3600" b="1" i="1" dirty="0" err="1" smtClean="0">
+                <a:solidFill>
+                  <a:schemeClr val="bg1"/>
+                </a:solidFill>
+              </a:rPr>
+              <a:t>simT</a:t>
+            </a:r>
+            <a:r>
+              <a:rPr lang="en-US" sz="3600" b="1" i="1" dirty="0" smtClean="0">
+                <a:solidFill>
+                  <a:schemeClr val="bg1"/>
+                </a:solidFill>
+              </a:rPr>
+              <a:t> </a:t>
             </a:r>
             <a:r>
               <a:rPr lang="en-US" sz="3600" b="1" dirty="0" smtClean="0">
@@ -9269,7 +9702,39 @@
                   <a:schemeClr val="bg1"/>
                 </a:solidFill>
               </a:rPr>
-              <a:t>of n </a:t>
+              <a:t>that generates </a:t>
+            </a:r>
+            <a:r>
+              <a:rPr lang="en-US" sz="3600" b="1" dirty="0">
+                <a:solidFill>
+                  <a:schemeClr val="bg1"/>
+                </a:solidFill>
+              </a:rPr>
+              <a:t>two vectors </a:t>
+            </a:r>
+            <a:r>
+              <a:rPr lang="en-US" sz="3600" b="1" dirty="0" smtClean="0">
+                <a:solidFill>
+                  <a:schemeClr val="bg1"/>
+                </a:solidFill>
+              </a:rPr>
+              <a:t>of </a:t>
+            </a:r>
+            <a:r>
+              <a:rPr lang="en-US" sz="3600" b="1" i="1" dirty="0" smtClean="0">
+                <a:solidFill>
+                  <a:schemeClr val="bg1"/>
+                </a:solidFill>
+              </a:rPr>
+              <a:t>n</a:t>
+            </a:r>
+            <a:r>
+              <a:rPr lang="en-US" sz="3600" b="1" dirty="0" smtClean="0">
+                <a:solidFill>
+                  <a:schemeClr val="bg1"/>
+                </a:solidFill>
+              </a:rPr>
+              <a:t> </a:t>
             </a:r>
             <a:r>
               <a:rPr lang="en-US" sz="3600" b="1" dirty="0">
@@ -9351,7 +9816,7 @@
               <a:t>Repeat </a:t>
             </a:r>
             <a:r>
-              <a:rPr lang="en-US" sz="3600" b="1" dirty="0" err="1" smtClean="0">
+              <a:rPr lang="en-US" sz="3600" b="1" i="1" dirty="0" err="1" smtClean="0">
                 <a:solidFill>
                   <a:schemeClr val="bg1"/>
                 </a:solidFill>
@@ -9391,12 +9856,20 @@
               <a:t>for </a:t>
             </a:r>
             <a:r>
+              <a:rPr lang="en-US" sz="3600" b="1" i="1" dirty="0" smtClean="0">
+                <a:solidFill>
+                  <a:schemeClr val="bg1"/>
+                </a:solidFill>
+              </a:rPr>
+              <a:t>n</a:t>
+            </a:r>
+            <a:r>
               <a:rPr lang="en-US" sz="3600" b="1" dirty="0" smtClean="0">
                 <a:solidFill>
                   <a:schemeClr val="bg1"/>
                 </a:solidFill>
               </a:rPr>
-              <a:t>n=10</a:t>
+              <a:t>=10</a:t>
             </a:r>
           </a:p>
           <a:p>
@@ -9414,7 +9887,7 @@
               <a:t>Repeat </a:t>
             </a:r>
             <a:r>
-              <a:rPr lang="en-US" sz="3600" b="1" dirty="0" err="1">
+              <a:rPr lang="en-US" sz="3600" b="1" i="1" dirty="0" err="1">
                 <a:solidFill>
                   <a:schemeClr val="bg1"/>
                 </a:solidFill>
@@ -9443,7 +9916,23 @@
                   <a:schemeClr val="bg1"/>
                 </a:solidFill>
               </a:rPr>
-              <a:t>and draw a histogram for n=10</a:t>
+              <a:t>and draw a histogram for </a:t>
+            </a:r>
+            <a:r>
+              <a:rPr lang="en-US" sz="3600" b="1" i="1" dirty="0">
+                <a:solidFill>
+                  <a:schemeClr val="bg1"/>
+                </a:solidFill>
+              </a:rPr>
+              <a:t>n</a:t>
+            </a:r>
+            <a:r>
+              <a:rPr lang="en-US" sz="3600" b="1" dirty="0">
+                <a:solidFill>
+                  <a:schemeClr val="bg1"/>
+                </a:solidFill>
+              </a:rPr>
+              <a:t>=10</a:t>
             </a:r>
           </a:p>
           <a:p>
@@ -9514,7 +10003,110 @@
   <p:timing>
     <p:tnLst>
       <p:par>
-        <p:cTn id="1" dur="indefinite" restart="never" nodeType="tmRoot"/>
+        <p:cTn id="1" dur="indefinite" restart="never" nodeType="tmRoot">
+          <p:childTnLst>
+            <p:seq concurrent="1" nextAc="seek">
+              <p:cTn id="2" dur="indefinite" nodeType="mainSeq">
+                <p:childTnLst>
+                  <p:par>
+                    <p:cTn id="3" fill="hold">
+                      <p:stCondLst>
+                        <p:cond delay="indefinite"/>
+                      </p:stCondLst>
+                      <p:childTnLst>
+                        <p:par>
+                          <p:cTn id="4" fill="hold">
+                            <p:stCondLst>
+                              <p:cond delay="0"/>
+                            </p:stCondLst>
+                            <p:childTnLst>
+                              <p:par>
+                                <p:cTn id="5" presetID="1" presetClass="entr" presetSubtype="0" fill="hold" nodeType="clickEffect">
+                                  <p:stCondLst>
+                                    <p:cond delay="0"/>
+                                  </p:stCondLst>
+                                  <p:childTnLst>
+                                    <p:set>
+                                      <p:cBhvr>
+                                        <p:cTn id="6" dur="1" fill="hold">
+                                          <p:stCondLst>
+                                            <p:cond delay="0"/>
+                                          </p:stCondLst>
+                                        </p:cTn>
+                                        <p:tgtEl>
+                                          <p:spTgt spid="3">
+                                            <p:txEl>
+                                              <p:pRg st="1" end="1"/>
+                                            </p:txEl>
+                                          </p:spTgt>
+                                        </p:tgtEl>
+                                        <p:attrNameLst>
+                                          <p:attrName>style.visibility</p:attrName>
+                                        </p:attrNameLst>
+                                      </p:cBhvr>
+                                      <p:to>
+                                        <p:strVal val="visible"/>
+                                      </p:to>
+                                    </p:set>
+                                  </p:childTnLst>
+                                </p:cTn>
+                              </p:par>
+                              <p:par>
+                                <p:cTn id="7" presetID="1" presetClass="entr" presetSubtype="0" fill="hold" nodeType="withEffect">
+                                  <p:stCondLst>
+                                    <p:cond delay="0"/>
+                                  </p:stCondLst>
+                                  <p:childTnLst>
+                                    <p:set>
+                                      <p:cBhvr>
+                                        <p:cTn id="8" dur="1" fill="hold">
+                                          <p:stCondLst>
+                                            <p:cond delay="0"/>
+                                          </p:stCondLst>
+                                        </p:cTn>
+                                        <p:tgtEl>
+                                          <p:spTgt spid="3">
+                                            <p:txEl>
+                                              <p:pRg st="2" end="2"/>
+                                            </p:txEl>
+                                          </p:spTgt>
+                                        </p:tgtEl>
+                                        <p:attrNameLst>
+                                          <p:attrName>style.visibility</p:attrName>
+                                        </p:attrNameLst>
+                                      </p:cBhvr>
+                                      <p:to>
+                                        <p:strVal val="visible"/>
+                                      </p:to>
+                                    </p:set>
+                                  </p:childTnLst>
+                                </p:cTn>
+                              </p:par>
+                            </p:childTnLst>
+                          </p:cTn>
+                        </p:par>
+                      </p:childTnLst>
+                    </p:cTn>
+                  </p:par>
+                </p:childTnLst>
+              </p:cTn>
+              <p:prevCondLst>
+                <p:cond evt="onPrev" delay="0">
+                  <p:tgtEl>
+                    <p:sldTgt/>
+                  </p:tgtEl>
+                </p:cond>
+              </p:prevCondLst>
+              <p:nextCondLst>
+                <p:cond evt="onNext" delay="0">
+                  <p:tgtEl>
+                    <p:sldTgt/>
+                  </p:tgtEl>
+                </p:cond>
+              </p:nextCondLst>
+            </p:seq>
+          </p:childTnLst>
+        </p:cTn>
       </p:par>
     </p:tnLst>
   </p:timing>
@@ -9543,7 +10135,7 @@
           <p:cNvPr id="2" name="Title 1">
             <a:extLst>
               <a:ext uri="{FF2B5EF4-FFF2-40B4-BE49-F238E27FC236}">
-                <a16:creationId xmlns:a16="http://schemas.microsoft.com/office/drawing/2014/main" xmlns="" id="{D6E948D1-548E-47C9-919E-505D422488C5}"/>
+                <a16:creationId xmlns="" xmlns:a16="http://schemas.microsoft.com/office/drawing/2014/main" id="{D6E948D1-548E-47C9-919E-505D422488C5}"/>
               </a:ext>
             </a:extLst>
           </p:cNvPr>
@@ -9571,7 +10163,7 @@
           <p:cNvPr id="3" name="Content Placeholder 2">
             <a:extLst>
               <a:ext uri="{FF2B5EF4-FFF2-40B4-BE49-F238E27FC236}">
-                <a16:creationId xmlns:a16="http://schemas.microsoft.com/office/drawing/2014/main" xmlns="" id="{4B3DE342-B16D-4FA1-8456-4E99B4680106}"/>
+                <a16:creationId xmlns="" xmlns:a16="http://schemas.microsoft.com/office/drawing/2014/main" id="{4B3DE342-B16D-4FA1-8456-4E99B4680106}"/>
               </a:ext>
             </a:extLst>
           </p:cNvPr>
@@ -9740,7 +10332,7 @@
       </p:grpSpPr>
       <p:pic>
         <p:nvPicPr>
-          <p:cNvPr id="2051" name="Picture 3"/>
+          <p:cNvPr id="2050" name="Picture 2"/>
           <p:cNvPicPr>
             <a:picLocks noChangeAspect="1" noChangeArrowheads="1"/>
           </p:cNvPicPr>
@@ -9761,8 +10353,8 @@
         </p:blipFill>
         <p:spPr bwMode="auto">
           <a:xfrm>
-            <a:off x="1903445" y="1172823"/>
-            <a:ext cx="8658808" cy="5685178"/>
+            <a:off x="1692820" y="228600"/>
+            <a:ext cx="8861843" cy="6549390"/>
           </a:xfrm>
           <a:prstGeom prst="rect">
             <a:avLst/>
@@ -9792,108 +10384,6 @@
           </a:extLst>
         </p:spPr>
       </p:pic>
-      <p:sp>
-        <p:nvSpPr>
-          <p:cNvPr id="2" name="Title 1"/>
-          <p:cNvSpPr>
-            <a:spLocks noGrp="1"/>
-          </p:cNvSpPr>
-          <p:nvPr>
-            <p:ph type="title"/>
-          </p:nvPr>
-        </p:nvSpPr>
-        <p:spPr/>
-        <p:txBody>
-          <a:bodyPr>
-            <a:normAutofit/>
-          </a:bodyPr>
-          <a:lstStyle/>
-          <a:p>
-            <a:pPr algn="ctr"/>
-            <a:r>
-              <a:rPr lang="en-US" sz="4000" dirty="0" smtClean="0"/>
-              <a:t>increasing </a:t>
-            </a:r>
-            <a:r>
-              <a:rPr lang="en-US" sz="4000" dirty="0" err="1" smtClean="0"/>
-              <a:t>nrep</a:t>
-            </a:r>
-            <a:r>
-              <a:rPr lang="en-US" sz="4000" dirty="0" smtClean="0"/>
-              <a:t> with n = 10</a:t>
-            </a:r>
-            <a:endParaRPr lang="en-US" sz="4000" dirty="0"/>
-          </a:p>
-        </p:txBody>
-      </p:sp>
-      <p:sp>
-        <p:nvSpPr>
-          <p:cNvPr id="4" name="TextBox 3"/>
-          <p:cNvSpPr txBox="1"/>
-          <p:nvPr/>
-        </p:nvSpPr>
-        <p:spPr>
-          <a:xfrm>
-            <a:off x="242596" y="3664741"/>
-            <a:ext cx="1399592" cy="461665"/>
-          </a:xfrm>
-          <a:prstGeom prst="rect">
-            <a:avLst/>
-          </a:prstGeom>
-          <a:noFill/>
-        </p:spPr>
-        <p:txBody>
-          <a:bodyPr wrap="square" rtlCol="0">
-            <a:spAutoFit/>
-          </a:bodyPr>
-          <a:lstStyle/>
-          <a:p>
-            <a:r>
-              <a:rPr lang="en-US" sz="2400" b="1" dirty="0" err="1" smtClean="0"/>
-              <a:t>nrep</a:t>
-            </a:r>
-            <a:r>
-              <a:rPr lang="en-US" sz="2400" b="1" dirty="0" smtClean="0"/>
-              <a:t> = 20</a:t>
-            </a:r>
-            <a:endParaRPr lang="en-US" sz="2400" b="1" dirty="0"/>
-          </a:p>
-        </p:txBody>
-      </p:sp>
-      <p:sp>
-        <p:nvSpPr>
-          <p:cNvPr id="7" name="TextBox 6"/>
-          <p:cNvSpPr txBox="1"/>
-          <p:nvPr/>
-        </p:nvSpPr>
-        <p:spPr>
-          <a:xfrm>
-            <a:off x="10397411" y="3723836"/>
-            <a:ext cx="1601755" cy="461665"/>
-          </a:xfrm>
-          <a:prstGeom prst="rect">
-            <a:avLst/>
-          </a:prstGeom>
-          <a:noFill/>
-        </p:spPr>
-        <p:txBody>
-          <a:bodyPr wrap="square" rtlCol="0">
-            <a:spAutoFit/>
-          </a:bodyPr>
-          <a:lstStyle/>
-          <a:p>
-            <a:r>
-              <a:rPr lang="en-US" sz="2400" b="1" dirty="0" err="1" smtClean="0"/>
-              <a:t>nrep</a:t>
-            </a:r>
-            <a:r>
-              <a:rPr lang="en-US" sz="2400" b="1" dirty="0" smtClean="0"/>
-              <a:t> = 100</a:t>
-            </a:r>
-            <a:endParaRPr lang="en-US" sz="2400" b="1" dirty="0"/>
-          </a:p>
-        </p:txBody>
-      </p:sp>
     </p:spTree>
     <p:extLst>
       <p:ext uri="{BB962C8B-B14F-4D97-AF65-F5344CB8AC3E}">
@@ -9944,7 +10434,7 @@
           <p:cNvPr id="2" name="Title 1">
             <a:extLst>
               <a:ext uri="{FF2B5EF4-FFF2-40B4-BE49-F238E27FC236}">
-                <a16:creationId xmlns:a16="http://schemas.microsoft.com/office/drawing/2014/main" xmlns="" id="{35847233-8BB1-4F2B-8850-F42F74ECBB35}"/>
+                <a16:creationId xmlns="" xmlns:a16="http://schemas.microsoft.com/office/drawing/2014/main" id="{35847233-8BB1-4F2B-8850-F42F74ECBB35}"/>
               </a:ext>
             </a:extLst>
           </p:cNvPr>
@@ -9979,7 +10469,7 @@
           <p:cNvPr id="3" name="Content Placeholder 2">
             <a:extLst>
               <a:ext uri="{FF2B5EF4-FFF2-40B4-BE49-F238E27FC236}">
-                <a16:creationId xmlns:a16="http://schemas.microsoft.com/office/drawing/2014/main" xmlns="" id="{0F37B897-6B6B-4E7B-A5DC-0B6379433040}"/>
+                <a16:creationId xmlns="" xmlns:a16="http://schemas.microsoft.com/office/drawing/2014/main" id="{0F37B897-6B6B-4E7B-A5DC-0B6379433040}"/>
               </a:ext>
             </a:extLst>
           </p:cNvPr>
@@ -10013,10 +10503,26 @@
                   <a:schemeClr val="bg1"/>
                 </a:solidFill>
               </a:rPr>
-              <a:t>plot function with </a:t>
-            </a:r>
-            <a:r>
-              <a:rPr lang="en-US" sz="3600" b="1" dirty="0" err="1" smtClean="0">
+              <a:t>plot function </a:t>
+            </a:r>
+            <a:r>
+              <a:rPr lang="en-US" sz="3600" b="1" i="1" dirty="0" err="1" smtClean="0">
+                <a:solidFill>
+                  <a:schemeClr val="bg1"/>
+                </a:solidFill>
+              </a:rPr>
+              <a:t>simT</a:t>
+            </a:r>
+            <a:r>
+              <a:rPr lang="en-US" sz="3600" b="1" dirty="0" smtClean="0">
+                <a:solidFill>
+                  <a:schemeClr val="bg1"/>
+                </a:solidFill>
+              </a:rPr>
+              <a:t> with </a:t>
+            </a:r>
+            <a:r>
+              <a:rPr lang="en-US" sz="3600" b="1" i="1" dirty="0" err="1" smtClean="0">
                 <a:solidFill>
                   <a:schemeClr val="bg1"/>
                 </a:solidFill>
@@ -10029,7 +10535,23 @@
                   <a:schemeClr val="bg1"/>
                 </a:solidFill>
               </a:rPr>
-              <a:t> =1000  and n=10</a:t>
+              <a:t> =1000  and </a:t>
+            </a:r>
+            <a:r>
+              <a:rPr lang="en-US" sz="3600" b="1" i="1" dirty="0" smtClean="0">
+                <a:solidFill>
+                  <a:schemeClr val="bg1"/>
+                </a:solidFill>
+              </a:rPr>
+              <a:t>n</a:t>
+            </a:r>
+            <a:r>
+              <a:rPr lang="en-US" sz="3600" b="1" dirty="0" smtClean="0">
+                <a:solidFill>
+                  <a:schemeClr val="bg1"/>
+                </a:solidFill>
+              </a:rPr>
+              <a:t>=10</a:t>
             </a:r>
           </a:p>
           <a:p>
@@ -10044,10 +10566,26 @@
                   <a:schemeClr val="bg1"/>
                 </a:solidFill>
               </a:rPr>
-              <a:t>plot function with </a:t>
-            </a:r>
-            <a:r>
-              <a:rPr lang="en-US" sz="3600" b="1" dirty="0" err="1" smtClean="0">
+              <a:t>plot function </a:t>
+            </a:r>
+            <a:r>
+              <a:rPr lang="en-US" sz="3600" b="1" i="1" dirty="0" err="1" smtClean="0">
+                <a:solidFill>
+                  <a:schemeClr val="bg1"/>
+                </a:solidFill>
+              </a:rPr>
+              <a:t>simT</a:t>
+            </a:r>
+            <a:r>
+              <a:rPr lang="en-US" sz="3600" b="1" dirty="0" smtClean="0">
+                <a:solidFill>
+                  <a:schemeClr val="bg1"/>
+                </a:solidFill>
+              </a:rPr>
+              <a:t> with </a:t>
+            </a:r>
+            <a:r>
+              <a:rPr lang="en-US" sz="3600" b="1" i="1" dirty="0" err="1" smtClean="0">
                 <a:solidFill>
                   <a:schemeClr val="bg1"/>
                 </a:solidFill>
@@ -10071,12 +10609,20 @@
               <a:t>=1000  and </a:t>
             </a:r>
             <a:r>
+              <a:rPr lang="en-US" sz="3600" b="1" i="1" dirty="0" smtClean="0">
+                <a:solidFill>
+                  <a:schemeClr val="bg1"/>
+                </a:solidFill>
+              </a:rPr>
+              <a:t>n</a:t>
+            </a:r>
+            <a:r>
               <a:rPr lang="en-US" sz="3600" b="1" dirty="0" smtClean="0">
                 <a:solidFill>
                   <a:schemeClr val="bg1"/>
                 </a:solidFill>
               </a:rPr>
-              <a:t>n=100</a:t>
+              <a:t>=100</a:t>
             </a:r>
             <a:endParaRPr lang="en-US" sz="3600" b="1" dirty="0">
               <a:solidFill>
@@ -10178,7 +10724,7 @@
       </p:grpSpPr>
       <p:pic>
         <p:nvPicPr>
-          <p:cNvPr id="3074" name="Picture 2"/>
+          <p:cNvPr id="5" name="Picture 2"/>
           <p:cNvPicPr>
             <a:picLocks noChangeAspect="1" noChangeArrowheads="1"/>
           </p:cNvPicPr>
@@ -10199,8 +10745,8 @@
         </p:blipFill>
         <p:spPr bwMode="auto">
           <a:xfrm>
-            <a:off x="1765718" y="1190623"/>
-            <a:ext cx="8631694" cy="5667375"/>
+            <a:off x="1691640" y="203866"/>
+            <a:ext cx="8881109" cy="6563629"/>
           </a:xfrm>
           <a:prstGeom prst="rect">
             <a:avLst/>
@@ -10230,104 +10776,6 @@
           </a:extLst>
         </p:spPr>
       </p:pic>
-      <p:sp>
-        <p:nvSpPr>
-          <p:cNvPr id="2" name="Title 1"/>
-          <p:cNvSpPr>
-            <a:spLocks noGrp="1"/>
-          </p:cNvSpPr>
-          <p:nvPr>
-            <p:ph type="title"/>
-          </p:nvPr>
-        </p:nvSpPr>
-        <p:spPr/>
-        <p:txBody>
-          <a:bodyPr>
-            <a:normAutofit/>
-          </a:bodyPr>
-          <a:lstStyle/>
-          <a:p>
-            <a:pPr algn="ctr"/>
-            <a:r>
-              <a:rPr lang="en-US" sz="4000" dirty="0" smtClean="0"/>
-              <a:t>increasing n with </a:t>
-            </a:r>
-            <a:r>
-              <a:rPr lang="en-US" sz="4000" dirty="0" err="1" smtClean="0"/>
-              <a:t>nre</a:t>
-            </a:r>
-            <a:r>
-              <a:rPr lang="en-US" sz="4000" dirty="0" err="1"/>
-              <a:t>p</a:t>
-            </a:r>
-            <a:r>
-              <a:rPr lang="en-US" sz="4000" dirty="0" smtClean="0"/>
-              <a:t> = 1000</a:t>
-            </a:r>
-            <a:endParaRPr lang="en-US" sz="4000" dirty="0"/>
-          </a:p>
-        </p:txBody>
-      </p:sp>
-      <p:sp>
-        <p:nvSpPr>
-          <p:cNvPr id="4" name="TextBox 3"/>
-          <p:cNvSpPr txBox="1"/>
-          <p:nvPr/>
-        </p:nvSpPr>
-        <p:spPr>
-          <a:xfrm>
-            <a:off x="242596" y="3664741"/>
-            <a:ext cx="1399592" cy="523220"/>
-          </a:xfrm>
-          <a:prstGeom prst="rect">
-            <a:avLst/>
-          </a:prstGeom>
-          <a:noFill/>
-        </p:spPr>
-        <p:txBody>
-          <a:bodyPr wrap="square" rtlCol="0">
-            <a:spAutoFit/>
-          </a:bodyPr>
-          <a:lstStyle/>
-          <a:p>
-            <a:r>
-              <a:rPr lang="en-US" sz="2800" b="1" dirty="0" smtClean="0"/>
-              <a:t>n = 10</a:t>
-            </a:r>
-            <a:endParaRPr lang="en-US" sz="2800" b="1" dirty="0"/>
-          </a:p>
-        </p:txBody>
-      </p:sp>
-      <p:sp>
-        <p:nvSpPr>
-          <p:cNvPr id="7" name="TextBox 6"/>
-          <p:cNvSpPr txBox="1"/>
-          <p:nvPr/>
-        </p:nvSpPr>
-        <p:spPr>
-          <a:xfrm>
-            <a:off x="10397412" y="3723836"/>
-            <a:ext cx="1399592" cy="523220"/>
-          </a:xfrm>
-          <a:prstGeom prst="rect">
-            <a:avLst/>
-          </a:prstGeom>
-          <a:noFill/>
-        </p:spPr>
-        <p:txBody>
-          <a:bodyPr wrap="square" rtlCol="0">
-            <a:spAutoFit/>
-          </a:bodyPr>
-          <a:lstStyle/>
-          <a:p>
-            <a:r>
-              <a:rPr lang="en-US" sz="2800" b="1" dirty="0" smtClean="0"/>
-              <a:t>n = 100</a:t>
-            </a:r>
-            <a:endParaRPr lang="en-US" sz="2800" b="1" dirty="0"/>
-          </a:p>
-        </p:txBody>
-      </p:sp>
     </p:spTree>
     <p:extLst>
       <p:ext uri="{BB962C8B-B14F-4D97-AF65-F5344CB8AC3E}">
@@ -10378,7 +10826,7 @@
           <p:cNvPr id="2" name="Title 1">
             <a:extLst>
               <a:ext uri="{FF2B5EF4-FFF2-40B4-BE49-F238E27FC236}">
-                <a16:creationId xmlns:a16="http://schemas.microsoft.com/office/drawing/2014/main" xmlns="" id="{35847233-8BB1-4F2B-8850-F42F74ECBB35}"/>
+                <a16:creationId xmlns="" xmlns:a16="http://schemas.microsoft.com/office/drawing/2014/main" id="{35847233-8BB1-4F2B-8850-F42F74ECBB35}"/>
               </a:ext>
             </a:extLst>
           </p:cNvPr>
@@ -10413,7 +10861,7 @@
           <p:cNvPr id="3" name="Content Placeholder 2">
             <a:extLst>
               <a:ext uri="{FF2B5EF4-FFF2-40B4-BE49-F238E27FC236}">
-                <a16:creationId xmlns:a16="http://schemas.microsoft.com/office/drawing/2014/main" xmlns="" id="{0F37B897-6B6B-4E7B-A5DC-0B6379433040}"/>
+                <a16:creationId xmlns="" xmlns:a16="http://schemas.microsoft.com/office/drawing/2014/main" id="{0F37B897-6B6B-4E7B-A5DC-0B6379433040}"/>
               </a:ext>
             </a:extLst>
           </p:cNvPr>
@@ -10466,12 +10914,12 @@
               <a:t>	e.g. </a:t>
             </a:r>
             <a:r>
-              <a:rPr lang="en-US" sz="3600" b="1" dirty="0" err="1" smtClean="0">
-                <a:solidFill>
-                  <a:schemeClr val="bg1"/>
-                </a:solidFill>
-              </a:rPr>
-              <a:t>poisson</a:t>
+              <a:rPr lang="en-US" sz="3600" b="1" dirty="0">
+                <a:solidFill>
+                  <a:schemeClr val="bg1"/>
+                </a:solidFill>
+              </a:rPr>
+              <a:t>P</a:t>
             </a:r>
             <a:r>
               <a:rPr lang="en-US" sz="3600" b="1" dirty="0" smtClean="0">
@@ -10479,7 +10927,15 @@
                   <a:schemeClr val="bg1"/>
                 </a:solidFill>
               </a:rPr>
-              <a:t> distributed data?</a:t>
+              <a:t>oisson </a:t>
+            </a:r>
+            <a:r>
+              <a:rPr lang="en-US" sz="3600" b="1" dirty="0" smtClean="0">
+                <a:solidFill>
+                  <a:schemeClr val="bg1"/>
+                </a:solidFill>
+              </a:rPr>
+              <a:t>distributed data?</a:t>
             </a:r>
             <a:endParaRPr lang="en-US" sz="3600" b="1" dirty="0">
               <a:solidFill>
@@ -10589,201 +11045,85 @@
             <p:ph type="title"/>
           </p:nvPr>
         </p:nvSpPr>
-        <p:spPr/>
-        <p:txBody>
-          <a:bodyPr/>
-          <a:lstStyle/>
-          <a:p>
-            <a:r>
-              <a:rPr lang="en-US" dirty="0" smtClean="0"/>
-              <a:t>Simulations </a:t>
-            </a:r>
-            <a:r>
-              <a:rPr lang="en-US" dirty="0"/>
-              <a:t>– </a:t>
-            </a:r>
-            <a:r>
-              <a:rPr lang="en-US" dirty="0" smtClean="0"/>
-              <a:t>General structure</a:t>
-            </a:r>
-            <a:endParaRPr lang="en-US" dirty="0"/>
-          </a:p>
-        </p:txBody>
-      </p:sp>
-      <p:sp>
-        <p:nvSpPr>
-          <p:cNvPr id="3" name="Content Placeholder 2"/>
-          <p:cNvSpPr>
-            <a:spLocks noGrp="1"/>
-          </p:cNvSpPr>
-          <p:nvPr>
-            <p:ph idx="1"/>
-          </p:nvPr>
-        </p:nvSpPr>
         <p:spPr>
           <a:xfrm>
-            <a:off x="856861" y="1716833"/>
-            <a:ext cx="10515600" cy="4908000"/>
+            <a:off x="838200" y="365125"/>
+            <a:ext cx="1779270" cy="1325563"/>
           </a:xfrm>
         </p:spPr>
         <p:txBody>
           <a:bodyPr>
-            <a:normAutofit fontScale="92500" lnSpcReduction="20000"/>
+            <a:normAutofit/>
           </a:bodyPr>
           <a:lstStyle/>
           <a:p>
-            <a:pPr marL="514350" indent="-514350" fontAlgn="base">
-              <a:buFont typeface="+mj-lt"/>
-              <a:buAutoNum type="arabicPeriod"/>
-            </a:pPr>
-            <a:r>
-              <a:rPr lang="en-US" b="1" dirty="0" smtClean="0"/>
-              <a:t>define</a:t>
-            </a:r>
-            <a:r>
-              <a:rPr lang="en-US" dirty="0" smtClean="0"/>
-              <a:t> what </a:t>
-            </a:r>
-            <a:r>
-              <a:rPr lang="en-US" dirty="0"/>
-              <a:t>type of data and variables </a:t>
-            </a:r>
-            <a:r>
-              <a:rPr lang="en-US" dirty="0" smtClean="0"/>
-              <a:t>need to be simulated, </a:t>
-            </a:r>
-            <a:r>
-              <a:rPr lang="en-US" dirty="0"/>
-              <a:t>i.e. their </a:t>
-            </a:r>
-            <a:r>
-              <a:rPr lang="en-US" b="1" dirty="0"/>
-              <a:t>distribution</a:t>
-            </a:r>
-            <a:r>
-              <a:rPr lang="en-US" dirty="0"/>
-              <a:t>, their </a:t>
-            </a:r>
-            <a:r>
-              <a:rPr lang="en-US" dirty="0" smtClean="0"/>
-              <a:t>class (e.g</a:t>
-            </a:r>
-            <a:r>
-              <a:rPr lang="en-US" dirty="0"/>
-              <a:t>. factor vs numerical value), </a:t>
-            </a:r>
-            <a:r>
-              <a:rPr lang="en-US" b="1" dirty="0"/>
-              <a:t>sample sizes </a:t>
-            </a:r>
-            <a:r>
-              <a:rPr lang="en-US" dirty="0"/>
-              <a:t>(within a dataset, and number of replicates), what </a:t>
-            </a:r>
-            <a:r>
-              <a:rPr lang="en-US" dirty="0" smtClean="0"/>
-              <a:t>will need to vary (</a:t>
-            </a:r>
-            <a:r>
-              <a:rPr lang="en-US" dirty="0"/>
-              <a:t>e.g. the strength of relationship, two alternative for one scenario)</a:t>
-            </a:r>
-          </a:p>
-          <a:p>
-            <a:pPr marL="514350" indent="-514350" fontAlgn="base">
-              <a:buFont typeface="+mj-lt"/>
-              <a:buAutoNum type="arabicPeriod"/>
-            </a:pPr>
-            <a:r>
-              <a:rPr lang="en-US" b="1" dirty="0"/>
-              <a:t>generate data</a:t>
-            </a:r>
-            <a:r>
-              <a:rPr lang="en-US" dirty="0"/>
-              <a:t>, random data or data including an effect (e.g. an impose correlation between two variables)</a:t>
-            </a:r>
-          </a:p>
-          <a:p>
-            <a:pPr marL="514350" indent="-514350" fontAlgn="base">
-              <a:buFont typeface="+mj-lt"/>
-              <a:buAutoNum type="arabicPeriod"/>
-            </a:pPr>
-            <a:r>
-              <a:rPr lang="en-US" b="1" dirty="0"/>
-              <a:t>run the statistical test </a:t>
-            </a:r>
-            <a:r>
-              <a:rPr lang="en-US" dirty="0"/>
-              <a:t>we think is most ideal, check that the results are random (significant in only 5% of the case) or picking up the effect imposed/simulated, and </a:t>
-            </a:r>
-            <a:r>
-              <a:rPr lang="en-US" b="1" dirty="0"/>
-              <a:t>save the parameter estimate of interest for that iteration</a:t>
-            </a:r>
-          </a:p>
-          <a:p>
-            <a:pPr marL="514350" indent="-514350" fontAlgn="base">
-              <a:buFont typeface="+mj-lt"/>
-              <a:buAutoNum type="arabicPeriod"/>
-            </a:pPr>
-            <a:r>
-              <a:rPr lang="en-US" b="1" dirty="0" smtClean="0"/>
-              <a:t>replicate</a:t>
-            </a:r>
-            <a:r>
-              <a:rPr lang="en-US" dirty="0" smtClean="0"/>
-              <a:t> </a:t>
-            </a:r>
-            <a:r>
-              <a:rPr lang="en-US" dirty="0"/>
-              <a:t>step 2 and 3 to get the distribution of the parameter estimates.</a:t>
-            </a:r>
-          </a:p>
-          <a:p>
-            <a:pPr marL="514350" indent="-514350" fontAlgn="base">
-              <a:buFont typeface="+mj-lt"/>
-              <a:buAutoNum type="arabicPeriod"/>
-            </a:pPr>
-            <a:r>
-              <a:rPr lang="en-US" dirty="0"/>
-              <a:t>try out different parameter sets (</a:t>
-            </a:r>
-            <a:r>
-              <a:rPr lang="en-US" b="1" dirty="0"/>
-              <a:t>explore the parameter space </a:t>
-            </a:r>
-            <a:r>
-              <a:rPr lang="en-US" dirty="0"/>
-              <a:t>for which results are similar)</a:t>
-            </a:r>
-          </a:p>
-          <a:p>
-            <a:pPr marL="514350" indent="-514350" fontAlgn="base">
-              <a:buFont typeface="+mj-lt"/>
-              <a:buAutoNum type="arabicPeriod"/>
-            </a:pPr>
-            <a:r>
-              <a:rPr lang="en-US" b="1" dirty="0" smtClean="0"/>
-              <a:t>analyze </a:t>
-            </a:r>
-            <a:r>
-              <a:rPr lang="en-US" b="1" dirty="0"/>
-              <a:t>and interpret the combine results of many simulations </a:t>
-            </a:r>
-            <a:r>
-              <a:rPr lang="en-US" dirty="0"/>
-              <a:t>within each set of parameters</a:t>
-            </a:r>
-          </a:p>
-          <a:p>
-            <a:endParaRPr lang="en-US" dirty="0"/>
+            <a:pPr algn="ctr"/>
+            <a:r>
+              <a:rPr lang="en-US" sz="4000" dirty="0" err="1" smtClean="0"/>
+              <a:t>rpois</a:t>
+            </a:r>
+            <a:endParaRPr lang="en-US" sz="4000" dirty="0"/>
           </a:p>
         </p:txBody>
       </p:sp>
+      <p:pic>
+        <p:nvPicPr>
+          <p:cNvPr id="1028" name="Picture 4"/>
+          <p:cNvPicPr>
+            <a:picLocks noChangeAspect="1" noChangeArrowheads="1"/>
+          </p:cNvPicPr>
+          <p:nvPr/>
+        </p:nvPicPr>
+        <p:blipFill>
+          <a:blip r:embed="rId2">
+            <a:extLst>
+              <a:ext uri="{28A0092B-C50C-407E-A947-70E740481C1C}">
+                <a14:useLocalDpi xmlns:a14="http://schemas.microsoft.com/office/drawing/2010/main" val="0"/>
+              </a:ext>
+            </a:extLst>
+          </a:blip>
+          <a:srcRect/>
+          <a:stretch>
+            <a:fillRect/>
+          </a:stretch>
+        </p:blipFill>
+        <p:spPr bwMode="auto">
+          <a:xfrm>
+            <a:off x="2886075" y="376332"/>
+            <a:ext cx="8406765" cy="6213063"/>
+          </a:xfrm>
+          <a:prstGeom prst="rect">
+            <a:avLst/>
+          </a:prstGeom>
+          <a:noFill/>
+          <a:ln>
+            <a:noFill/>
+          </a:ln>
+          <a:extLst>
+            <a:ext uri="{909E8E84-426E-40DD-AFC4-6F175D3DCCD1}">
+              <a14:hiddenFill xmlns:a14="http://schemas.microsoft.com/office/drawing/2010/main">
+                <a:solidFill>
+                  <a:schemeClr val="accent1"/>
+                </a:solidFill>
+              </a14:hiddenFill>
+            </a:ext>
+            <a:ext uri="{91240B29-F687-4F45-9708-019B960494DF}">
+              <a14:hiddenLine xmlns:a14="http://schemas.microsoft.com/office/drawing/2010/main" w="9525">
+                <a:solidFill>
+                  <a:schemeClr val="tx1"/>
+                </a:solidFill>
+                <a:miter lim="800000"/>
+                <a:headEnd/>
+                <a:tailEnd/>
+              </a14:hiddenLine>
+            </a:ext>
+          </a:extLst>
+        </p:spPr>
+      </p:pic>
     </p:spTree>
     <p:extLst>
       <p:ext uri="{BB962C8B-B14F-4D97-AF65-F5344CB8AC3E}">
-        <p14:creationId xmlns:p14="http://schemas.microsoft.com/office/powerpoint/2010/main" val="1248230546"/>
+        <p14:creationId xmlns:p14="http://schemas.microsoft.com/office/powerpoint/2010/main" val="3350971074"/>
       </p:ext>
     </p:extLst>
   </p:cSld>
@@ -10827,6 +11167,699 @@
             <p:ph type="title"/>
           </p:nvPr>
         </p:nvSpPr>
+        <p:spPr>
+          <a:xfrm>
+            <a:off x="838200" y="365125"/>
+            <a:ext cx="1779270" cy="1325563"/>
+          </a:xfrm>
+        </p:spPr>
+        <p:txBody>
+          <a:bodyPr>
+            <a:normAutofit/>
+          </a:bodyPr>
+          <a:lstStyle/>
+          <a:p>
+            <a:pPr algn="ctr"/>
+            <a:r>
+              <a:rPr lang="en-US" sz="4000" dirty="0" err="1" smtClean="0"/>
+              <a:t>rpois</a:t>
+            </a:r>
+            <a:endParaRPr lang="en-US" sz="4000" dirty="0"/>
+          </a:p>
+        </p:txBody>
+      </p:sp>
+      <p:pic>
+        <p:nvPicPr>
+          <p:cNvPr id="4098" name="Picture 2"/>
+          <p:cNvPicPr>
+            <a:picLocks noChangeAspect="1" noChangeArrowheads="1"/>
+          </p:cNvPicPr>
+          <p:nvPr/>
+        </p:nvPicPr>
+        <p:blipFill>
+          <a:blip r:embed="rId2">
+            <a:extLst>
+              <a:ext uri="{28A0092B-C50C-407E-A947-70E740481C1C}">
+                <a14:useLocalDpi xmlns:a14="http://schemas.microsoft.com/office/drawing/2010/main" val="0"/>
+              </a:ext>
+            </a:extLst>
+          </a:blip>
+          <a:srcRect/>
+          <a:stretch>
+            <a:fillRect/>
+          </a:stretch>
+        </p:blipFill>
+        <p:spPr bwMode="auto">
+          <a:xfrm>
+            <a:off x="2280285" y="148590"/>
+            <a:ext cx="8772525" cy="6483379"/>
+          </a:xfrm>
+          <a:prstGeom prst="rect">
+            <a:avLst/>
+          </a:prstGeom>
+          <a:noFill/>
+          <a:ln>
+            <a:noFill/>
+          </a:ln>
+          <a:extLst>
+            <a:ext uri="{909E8E84-426E-40DD-AFC4-6F175D3DCCD1}">
+              <a14:hiddenFill xmlns:a14="http://schemas.microsoft.com/office/drawing/2010/main">
+                <a:solidFill>
+                  <a:schemeClr val="accent1"/>
+                </a:solidFill>
+              </a14:hiddenFill>
+            </a:ext>
+            <a:ext uri="{91240B29-F687-4F45-9708-019B960494DF}">
+              <a14:hiddenLine xmlns:a14="http://schemas.microsoft.com/office/drawing/2010/main" w="9525">
+                <a:solidFill>
+                  <a:schemeClr val="tx1"/>
+                </a:solidFill>
+                <a:miter lim="800000"/>
+                <a:headEnd/>
+                <a:tailEnd/>
+              </a14:hiddenLine>
+            </a:ext>
+          </a:extLst>
+        </p:spPr>
+      </p:pic>
+    </p:spTree>
+    <p:extLst>
+      <p:ext uri="{BB962C8B-B14F-4D97-AF65-F5344CB8AC3E}">
+        <p14:creationId xmlns:p14="http://schemas.microsoft.com/office/powerpoint/2010/main" val="2858639761"/>
+      </p:ext>
+    </p:extLst>
+  </p:cSld>
+  <p:clrMapOvr>
+    <a:masterClrMapping/>
+  </p:clrMapOvr>
+  <p:timing>
+    <p:tnLst>
+      <p:par>
+        <p:cTn id="1" dur="indefinite" restart="never" nodeType="tmRoot"/>
+      </p:par>
+    </p:tnLst>
+  </p:timing>
+</p:sld>
+</file>
+
+<file path=ppt/slides/slide36.xml><?xml version="1.0" encoding="utf-8"?>
+<p:sld xmlns:a="http://schemas.openxmlformats.org/drawingml/2006/main" xmlns:r="http://schemas.openxmlformats.org/officeDocument/2006/relationships" xmlns:p="http://schemas.openxmlformats.org/presentationml/2006/main">
+  <p:cSld>
+    <p:spTree>
+      <p:nvGrpSpPr>
+        <p:cNvPr id="1" name=""/>
+        <p:cNvGrpSpPr/>
+        <p:nvPr/>
+      </p:nvGrpSpPr>
+      <p:grpSpPr>
+        <a:xfrm>
+          <a:off x="0" y="0"/>
+          <a:ext cx="0" cy="0"/>
+          <a:chOff x="0" y="0"/>
+          <a:chExt cx="0" cy="0"/>
+        </a:xfrm>
+      </p:grpSpPr>
+      <p:sp>
+        <p:nvSpPr>
+          <p:cNvPr id="2" name="Title 1"/>
+          <p:cNvSpPr>
+            <a:spLocks noGrp="1"/>
+          </p:cNvSpPr>
+          <p:nvPr>
+            <p:ph type="title"/>
+          </p:nvPr>
+        </p:nvSpPr>
+        <p:spPr/>
+        <p:txBody>
+          <a:bodyPr/>
+          <a:lstStyle/>
+          <a:p>
+            <a:r>
+              <a:rPr lang="en-US" dirty="0" smtClean="0"/>
+              <a:t>Simulations </a:t>
+            </a:r>
+            <a:r>
+              <a:rPr lang="en-US" dirty="0"/>
+              <a:t>– </a:t>
+            </a:r>
+            <a:r>
+              <a:rPr lang="en-US" dirty="0" smtClean="0"/>
+              <a:t>General structure</a:t>
+            </a:r>
+            <a:endParaRPr lang="en-US" dirty="0"/>
+          </a:p>
+        </p:txBody>
+      </p:sp>
+      <p:sp>
+        <p:nvSpPr>
+          <p:cNvPr id="3" name="Content Placeholder 2"/>
+          <p:cNvSpPr>
+            <a:spLocks noGrp="1"/>
+          </p:cNvSpPr>
+          <p:nvPr>
+            <p:ph idx="1"/>
+          </p:nvPr>
+        </p:nvSpPr>
+        <p:spPr>
+          <a:xfrm>
+            <a:off x="856861" y="1716833"/>
+            <a:ext cx="10515600" cy="4908000"/>
+          </a:xfrm>
+        </p:spPr>
+        <p:txBody>
+          <a:bodyPr>
+            <a:normAutofit fontScale="92500" lnSpcReduction="20000"/>
+          </a:bodyPr>
+          <a:lstStyle/>
+          <a:p>
+            <a:pPr marL="514350" indent="-514350" fontAlgn="base">
+              <a:buFont typeface="+mj-lt"/>
+              <a:buAutoNum type="arabicPeriod"/>
+            </a:pPr>
+            <a:r>
+              <a:rPr lang="en-US" b="1" dirty="0" smtClean="0"/>
+              <a:t>define</a:t>
+            </a:r>
+            <a:r>
+              <a:rPr lang="en-US" dirty="0" smtClean="0"/>
+              <a:t> what </a:t>
+            </a:r>
+            <a:r>
+              <a:rPr lang="en-US" dirty="0"/>
+              <a:t>type of data and variables </a:t>
+            </a:r>
+            <a:r>
+              <a:rPr lang="en-US" dirty="0" smtClean="0"/>
+              <a:t>need to be simulated, </a:t>
+            </a:r>
+            <a:r>
+              <a:rPr lang="en-US" dirty="0"/>
+              <a:t>i.e. their </a:t>
+            </a:r>
+            <a:r>
+              <a:rPr lang="en-US" b="1" dirty="0"/>
+              <a:t>distribution</a:t>
+            </a:r>
+            <a:r>
+              <a:rPr lang="en-US" dirty="0"/>
+              <a:t>, their </a:t>
+            </a:r>
+            <a:r>
+              <a:rPr lang="en-US" dirty="0" smtClean="0"/>
+              <a:t>class (e.g</a:t>
+            </a:r>
+            <a:r>
+              <a:rPr lang="en-US" dirty="0"/>
+              <a:t>. factor vs numerical value), </a:t>
+            </a:r>
+            <a:r>
+              <a:rPr lang="en-US" b="1" dirty="0"/>
+              <a:t>sample sizes </a:t>
+            </a:r>
+            <a:r>
+              <a:rPr lang="en-US" dirty="0"/>
+              <a:t>(within a dataset, and number of replicates), what </a:t>
+            </a:r>
+            <a:r>
+              <a:rPr lang="en-US" dirty="0" smtClean="0"/>
+              <a:t>will need to vary (</a:t>
+            </a:r>
+            <a:r>
+              <a:rPr lang="en-US" dirty="0"/>
+              <a:t>e.g. the strength of relationship, two alternative for one scenario)</a:t>
+            </a:r>
+          </a:p>
+          <a:p>
+            <a:pPr marL="514350" indent="-514350" fontAlgn="base">
+              <a:buFont typeface="+mj-lt"/>
+              <a:buAutoNum type="arabicPeriod"/>
+            </a:pPr>
+            <a:r>
+              <a:rPr lang="en-US" b="1" dirty="0"/>
+              <a:t>generate data</a:t>
+            </a:r>
+            <a:r>
+              <a:rPr lang="en-US" dirty="0"/>
+              <a:t>, random data or data including an effect (e.g. an impose correlation between two variables)</a:t>
+            </a:r>
+          </a:p>
+          <a:p>
+            <a:pPr marL="514350" indent="-514350" fontAlgn="base">
+              <a:buFont typeface="+mj-lt"/>
+              <a:buAutoNum type="arabicPeriod"/>
+            </a:pPr>
+            <a:r>
+              <a:rPr lang="en-US" b="1" dirty="0"/>
+              <a:t>run the statistical test </a:t>
+            </a:r>
+            <a:r>
+              <a:rPr lang="en-US" dirty="0"/>
+              <a:t>we think is most ideal, check that the results are random (significant in only 5% of the case) or picking up the effect </a:t>
+            </a:r>
+            <a:r>
+              <a:rPr lang="en-US" dirty="0" smtClean="0"/>
+              <a:t>imposed/simulated in 80% of the cases (power), </a:t>
+            </a:r>
+            <a:r>
+              <a:rPr lang="en-US" dirty="0"/>
+              <a:t>and </a:t>
+            </a:r>
+            <a:r>
+              <a:rPr lang="en-US" b="1" dirty="0"/>
+              <a:t>save the parameter estimate of interest for that iteration</a:t>
+            </a:r>
+          </a:p>
+          <a:p>
+            <a:pPr marL="514350" indent="-514350" fontAlgn="base">
+              <a:buFont typeface="+mj-lt"/>
+              <a:buAutoNum type="arabicPeriod"/>
+            </a:pPr>
+            <a:r>
+              <a:rPr lang="en-US" b="1" dirty="0" smtClean="0"/>
+              <a:t>replicate</a:t>
+            </a:r>
+            <a:r>
+              <a:rPr lang="en-US" dirty="0" smtClean="0"/>
+              <a:t> </a:t>
+            </a:r>
+            <a:r>
+              <a:rPr lang="en-US" dirty="0"/>
+              <a:t>step 2 and 3 to get the distribution of the parameter </a:t>
+            </a:r>
+            <a:r>
+              <a:rPr lang="en-US" dirty="0" smtClean="0"/>
+              <a:t>estimates</a:t>
+            </a:r>
+            <a:endParaRPr lang="en-US" dirty="0"/>
+          </a:p>
+          <a:p>
+            <a:pPr marL="514350" indent="-514350" fontAlgn="base">
+              <a:buFont typeface="+mj-lt"/>
+              <a:buAutoNum type="arabicPeriod"/>
+            </a:pPr>
+            <a:r>
+              <a:rPr lang="en-US" dirty="0"/>
+              <a:t>try out different parameter sets (</a:t>
+            </a:r>
+            <a:r>
+              <a:rPr lang="en-US" b="1" dirty="0"/>
+              <a:t>explore the parameter space </a:t>
+            </a:r>
+            <a:r>
+              <a:rPr lang="en-US" dirty="0"/>
+              <a:t>for which results are similar)</a:t>
+            </a:r>
+          </a:p>
+          <a:p>
+            <a:pPr marL="514350" indent="-514350" fontAlgn="base">
+              <a:buFont typeface="+mj-lt"/>
+              <a:buAutoNum type="arabicPeriod"/>
+            </a:pPr>
+            <a:r>
+              <a:rPr lang="en-US" b="1" dirty="0" smtClean="0"/>
+              <a:t>analyze </a:t>
+            </a:r>
+            <a:r>
+              <a:rPr lang="en-US" b="1" dirty="0"/>
+              <a:t>and interpret the combine results of many simulations </a:t>
+            </a:r>
+            <a:r>
+              <a:rPr lang="en-US" dirty="0"/>
+              <a:t>within each set of parameters</a:t>
+            </a:r>
+          </a:p>
+          <a:p>
+            <a:endParaRPr lang="en-US" dirty="0"/>
+          </a:p>
+        </p:txBody>
+      </p:sp>
+    </p:spTree>
+    <p:extLst>
+      <p:ext uri="{BB962C8B-B14F-4D97-AF65-F5344CB8AC3E}">
+        <p14:creationId xmlns:p14="http://schemas.microsoft.com/office/powerpoint/2010/main" val="1248230546"/>
+      </p:ext>
+    </p:extLst>
+  </p:cSld>
+  <p:clrMapOvr>
+    <a:masterClrMapping/>
+  </p:clrMapOvr>
+  <p:timing>
+    <p:tnLst>
+      <p:par>
+        <p:cTn id="1" dur="indefinite" restart="never" nodeType="tmRoot">
+          <p:childTnLst>
+            <p:seq concurrent="1" nextAc="seek">
+              <p:cTn id="2" dur="indefinite" nodeType="mainSeq">
+                <p:childTnLst>
+                  <p:par>
+                    <p:cTn id="3" fill="hold">
+                      <p:stCondLst>
+                        <p:cond delay="indefinite"/>
+                      </p:stCondLst>
+                      <p:childTnLst>
+                        <p:par>
+                          <p:cTn id="4" fill="hold">
+                            <p:stCondLst>
+                              <p:cond delay="0"/>
+                            </p:stCondLst>
+                            <p:childTnLst>
+                              <p:par>
+                                <p:cTn id="5" presetID="1" presetClass="entr" presetSubtype="0" fill="hold" grpId="0" nodeType="clickEffect">
+                                  <p:stCondLst>
+                                    <p:cond delay="0"/>
+                                  </p:stCondLst>
+                                  <p:childTnLst>
+                                    <p:set>
+                                      <p:cBhvr>
+                                        <p:cTn id="6" dur="1" fill="hold">
+                                          <p:stCondLst>
+                                            <p:cond delay="0"/>
+                                          </p:stCondLst>
+                                        </p:cTn>
+                                        <p:tgtEl>
+                                          <p:spTgt spid="3">
+                                            <p:txEl>
+                                              <p:pRg st="0" end="0"/>
+                                            </p:txEl>
+                                          </p:spTgt>
+                                        </p:tgtEl>
+                                        <p:attrNameLst>
+                                          <p:attrName>style.visibility</p:attrName>
+                                        </p:attrNameLst>
+                                      </p:cBhvr>
+                                      <p:to>
+                                        <p:strVal val="visible"/>
+                                      </p:to>
+                                    </p:set>
+                                  </p:childTnLst>
+                                </p:cTn>
+                              </p:par>
+                            </p:childTnLst>
+                          </p:cTn>
+                        </p:par>
+                      </p:childTnLst>
+                    </p:cTn>
+                  </p:par>
+                  <p:par>
+                    <p:cTn id="7" fill="hold">
+                      <p:stCondLst>
+                        <p:cond delay="indefinite"/>
+                      </p:stCondLst>
+                      <p:childTnLst>
+                        <p:par>
+                          <p:cTn id="8" fill="hold">
+                            <p:stCondLst>
+                              <p:cond delay="0"/>
+                            </p:stCondLst>
+                            <p:childTnLst>
+                              <p:par>
+                                <p:cTn id="9" presetID="1" presetClass="entr" presetSubtype="0" fill="hold" grpId="0" nodeType="clickEffect">
+                                  <p:stCondLst>
+                                    <p:cond delay="0"/>
+                                  </p:stCondLst>
+                                  <p:childTnLst>
+                                    <p:set>
+                                      <p:cBhvr>
+                                        <p:cTn id="10" dur="1" fill="hold">
+                                          <p:stCondLst>
+                                            <p:cond delay="0"/>
+                                          </p:stCondLst>
+                                        </p:cTn>
+                                        <p:tgtEl>
+                                          <p:spTgt spid="3">
+                                            <p:txEl>
+                                              <p:pRg st="1" end="1"/>
+                                            </p:txEl>
+                                          </p:spTgt>
+                                        </p:tgtEl>
+                                        <p:attrNameLst>
+                                          <p:attrName>style.visibility</p:attrName>
+                                        </p:attrNameLst>
+                                      </p:cBhvr>
+                                      <p:to>
+                                        <p:strVal val="visible"/>
+                                      </p:to>
+                                    </p:set>
+                                  </p:childTnLst>
+                                </p:cTn>
+                              </p:par>
+                            </p:childTnLst>
+                          </p:cTn>
+                        </p:par>
+                      </p:childTnLst>
+                    </p:cTn>
+                  </p:par>
+                  <p:par>
+                    <p:cTn id="11" fill="hold">
+                      <p:stCondLst>
+                        <p:cond delay="indefinite"/>
+                      </p:stCondLst>
+                      <p:childTnLst>
+                        <p:par>
+                          <p:cTn id="12" fill="hold">
+                            <p:stCondLst>
+                              <p:cond delay="0"/>
+                            </p:stCondLst>
+                            <p:childTnLst>
+                              <p:par>
+                                <p:cTn id="13" presetID="1" presetClass="entr" presetSubtype="0" fill="hold" grpId="0" nodeType="clickEffect">
+                                  <p:stCondLst>
+                                    <p:cond delay="0"/>
+                                  </p:stCondLst>
+                                  <p:childTnLst>
+                                    <p:set>
+                                      <p:cBhvr>
+                                        <p:cTn id="14" dur="1" fill="hold">
+                                          <p:stCondLst>
+                                            <p:cond delay="0"/>
+                                          </p:stCondLst>
+                                        </p:cTn>
+                                        <p:tgtEl>
+                                          <p:spTgt spid="3">
+                                            <p:txEl>
+                                              <p:pRg st="2" end="2"/>
+                                            </p:txEl>
+                                          </p:spTgt>
+                                        </p:tgtEl>
+                                        <p:attrNameLst>
+                                          <p:attrName>style.visibility</p:attrName>
+                                        </p:attrNameLst>
+                                      </p:cBhvr>
+                                      <p:to>
+                                        <p:strVal val="visible"/>
+                                      </p:to>
+                                    </p:set>
+                                  </p:childTnLst>
+                                </p:cTn>
+                              </p:par>
+                            </p:childTnLst>
+                          </p:cTn>
+                        </p:par>
+                      </p:childTnLst>
+                    </p:cTn>
+                  </p:par>
+                  <p:par>
+                    <p:cTn id="15" fill="hold">
+                      <p:stCondLst>
+                        <p:cond delay="indefinite"/>
+                      </p:stCondLst>
+                      <p:childTnLst>
+                        <p:par>
+                          <p:cTn id="16" fill="hold">
+                            <p:stCondLst>
+                              <p:cond delay="0"/>
+                            </p:stCondLst>
+                            <p:childTnLst>
+                              <p:par>
+                                <p:cTn id="17" presetID="1" presetClass="entr" presetSubtype="0" fill="hold" grpId="0" nodeType="clickEffect">
+                                  <p:stCondLst>
+                                    <p:cond delay="0"/>
+                                  </p:stCondLst>
+                                  <p:childTnLst>
+                                    <p:set>
+                                      <p:cBhvr>
+                                        <p:cTn id="18" dur="1" fill="hold">
+                                          <p:stCondLst>
+                                            <p:cond delay="0"/>
+                                          </p:stCondLst>
+                                        </p:cTn>
+                                        <p:tgtEl>
+                                          <p:spTgt spid="3">
+                                            <p:txEl>
+                                              <p:pRg st="3" end="3"/>
+                                            </p:txEl>
+                                          </p:spTgt>
+                                        </p:tgtEl>
+                                        <p:attrNameLst>
+                                          <p:attrName>style.visibility</p:attrName>
+                                        </p:attrNameLst>
+                                      </p:cBhvr>
+                                      <p:to>
+                                        <p:strVal val="visible"/>
+                                      </p:to>
+                                    </p:set>
+                                  </p:childTnLst>
+                                </p:cTn>
+                              </p:par>
+                            </p:childTnLst>
+                          </p:cTn>
+                        </p:par>
+                      </p:childTnLst>
+                    </p:cTn>
+                  </p:par>
+                  <p:par>
+                    <p:cTn id="19" fill="hold">
+                      <p:stCondLst>
+                        <p:cond delay="indefinite"/>
+                      </p:stCondLst>
+                      <p:childTnLst>
+                        <p:par>
+                          <p:cTn id="20" fill="hold">
+                            <p:stCondLst>
+                              <p:cond delay="0"/>
+                            </p:stCondLst>
+                            <p:childTnLst>
+                              <p:par>
+                                <p:cTn id="21" presetID="1" presetClass="entr" presetSubtype="0" fill="hold" grpId="0" nodeType="clickEffect">
+                                  <p:stCondLst>
+                                    <p:cond delay="0"/>
+                                  </p:stCondLst>
+                                  <p:childTnLst>
+                                    <p:set>
+                                      <p:cBhvr>
+                                        <p:cTn id="22" dur="1" fill="hold">
+                                          <p:stCondLst>
+                                            <p:cond delay="0"/>
+                                          </p:stCondLst>
+                                        </p:cTn>
+                                        <p:tgtEl>
+                                          <p:spTgt spid="3">
+                                            <p:txEl>
+                                              <p:pRg st="4" end="4"/>
+                                            </p:txEl>
+                                          </p:spTgt>
+                                        </p:tgtEl>
+                                        <p:attrNameLst>
+                                          <p:attrName>style.visibility</p:attrName>
+                                        </p:attrNameLst>
+                                      </p:cBhvr>
+                                      <p:to>
+                                        <p:strVal val="visible"/>
+                                      </p:to>
+                                    </p:set>
+                                  </p:childTnLst>
+                                </p:cTn>
+                              </p:par>
+                            </p:childTnLst>
+                          </p:cTn>
+                        </p:par>
+                      </p:childTnLst>
+                    </p:cTn>
+                  </p:par>
+                  <p:par>
+                    <p:cTn id="23" fill="hold">
+                      <p:stCondLst>
+                        <p:cond delay="indefinite"/>
+                      </p:stCondLst>
+                      <p:childTnLst>
+                        <p:par>
+                          <p:cTn id="24" fill="hold">
+                            <p:stCondLst>
+                              <p:cond delay="0"/>
+                            </p:stCondLst>
+                            <p:childTnLst>
+                              <p:par>
+                                <p:cTn id="25" presetID="1" presetClass="entr" presetSubtype="0" fill="hold" grpId="0" nodeType="clickEffect">
+                                  <p:stCondLst>
+                                    <p:cond delay="0"/>
+                                  </p:stCondLst>
+                                  <p:childTnLst>
+                                    <p:set>
+                                      <p:cBhvr>
+                                        <p:cTn id="26" dur="1" fill="hold">
+                                          <p:stCondLst>
+                                            <p:cond delay="0"/>
+                                          </p:stCondLst>
+                                        </p:cTn>
+                                        <p:tgtEl>
+                                          <p:spTgt spid="3">
+                                            <p:txEl>
+                                              <p:pRg st="5" end="5"/>
+                                            </p:txEl>
+                                          </p:spTgt>
+                                        </p:tgtEl>
+                                        <p:attrNameLst>
+                                          <p:attrName>style.visibility</p:attrName>
+                                        </p:attrNameLst>
+                                      </p:cBhvr>
+                                      <p:to>
+                                        <p:strVal val="visible"/>
+                                      </p:to>
+                                    </p:set>
+                                  </p:childTnLst>
+                                </p:cTn>
+                              </p:par>
+                            </p:childTnLst>
+                          </p:cTn>
+                        </p:par>
+                      </p:childTnLst>
+                    </p:cTn>
+                  </p:par>
+                </p:childTnLst>
+              </p:cTn>
+              <p:prevCondLst>
+                <p:cond evt="onPrev" delay="0">
+                  <p:tgtEl>
+                    <p:sldTgt/>
+                  </p:tgtEl>
+                </p:cond>
+              </p:prevCondLst>
+              <p:nextCondLst>
+                <p:cond evt="onNext" delay="0">
+                  <p:tgtEl>
+                    <p:sldTgt/>
+                  </p:tgtEl>
+                </p:cond>
+              </p:nextCondLst>
+            </p:seq>
+          </p:childTnLst>
+        </p:cTn>
+      </p:par>
+    </p:tnLst>
+    <p:bldLst>
+      <p:bldP spid="3" grpId="0" build="p"/>
+    </p:bldLst>
+  </p:timing>
+</p:sld>
+</file>
+
+<file path=ppt/slides/slide37.xml><?xml version="1.0" encoding="utf-8"?>
+<p:sld xmlns:a="http://schemas.openxmlformats.org/drawingml/2006/main" xmlns:r="http://schemas.openxmlformats.org/officeDocument/2006/relationships" xmlns:p="http://schemas.openxmlformats.org/presentationml/2006/main">
+  <p:cSld>
+    <p:spTree>
+      <p:nvGrpSpPr>
+        <p:cNvPr id="1" name=""/>
+        <p:cNvGrpSpPr/>
+        <p:nvPr/>
+      </p:nvGrpSpPr>
+      <p:grpSpPr>
+        <a:xfrm>
+          <a:off x="0" y="0"/>
+          <a:ext cx="0" cy="0"/>
+          <a:chOff x="0" y="0"/>
+          <a:chExt cx="0" cy="0"/>
+        </a:xfrm>
+      </p:grpSpPr>
+      <p:sp>
+        <p:nvSpPr>
+          <p:cNvPr id="2" name="Title 1"/>
+          <p:cNvSpPr>
+            <a:spLocks noGrp="1"/>
+          </p:cNvSpPr>
+          <p:nvPr>
+            <p:ph type="title"/>
+          </p:nvPr>
+        </p:nvSpPr>
         <p:spPr/>
         <p:txBody>
           <a:bodyPr/>
@@ -10908,7 +11941,15 @@
             </a:r>
             <a:r>
               <a:rPr lang="en-US" dirty="0"/>
-              <a:t>(use research software engineer personal on campus to optimize code, use </a:t>
+              <a:t>(use research software engineer </a:t>
+            </a:r>
+            <a:r>
+              <a:rPr lang="en-US" dirty="0" smtClean="0"/>
+              <a:t>staff on </a:t>
+            </a:r>
+            <a:r>
+              <a:rPr lang="en-US" dirty="0"/>
+              <a:t>campus to optimize code, use </a:t>
             </a:r>
             <a:r>
               <a:rPr lang="en-US" dirty="0" smtClean="0"/>
@@ -10979,9 +12020,231 @@
   <p:timing>
     <p:tnLst>
       <p:par>
-        <p:cTn id="1" dur="indefinite" restart="never" nodeType="tmRoot"/>
+        <p:cTn id="1" dur="indefinite" restart="never" nodeType="tmRoot">
+          <p:childTnLst>
+            <p:seq concurrent="1" nextAc="seek">
+              <p:cTn id="2" dur="indefinite" nodeType="mainSeq">
+                <p:childTnLst>
+                  <p:par>
+                    <p:cTn id="3" fill="hold">
+                      <p:stCondLst>
+                        <p:cond delay="indefinite"/>
+                      </p:stCondLst>
+                      <p:childTnLst>
+                        <p:par>
+                          <p:cTn id="4" fill="hold">
+                            <p:stCondLst>
+                              <p:cond delay="0"/>
+                            </p:stCondLst>
+                            <p:childTnLst>
+                              <p:par>
+                                <p:cTn id="5" presetID="1" presetClass="entr" presetSubtype="0" fill="hold" grpId="0" nodeType="clickEffect">
+                                  <p:stCondLst>
+                                    <p:cond delay="0"/>
+                                  </p:stCondLst>
+                                  <p:childTnLst>
+                                    <p:set>
+                                      <p:cBhvr>
+                                        <p:cTn id="6" dur="1" fill="hold">
+                                          <p:stCondLst>
+                                            <p:cond delay="0"/>
+                                          </p:stCondLst>
+                                        </p:cTn>
+                                        <p:tgtEl>
+                                          <p:spTgt spid="3">
+                                            <p:txEl>
+                                              <p:pRg st="0" end="0"/>
+                                            </p:txEl>
+                                          </p:spTgt>
+                                        </p:tgtEl>
+                                        <p:attrNameLst>
+                                          <p:attrName>style.visibility</p:attrName>
+                                        </p:attrNameLst>
+                                      </p:cBhvr>
+                                      <p:to>
+                                        <p:strVal val="visible"/>
+                                      </p:to>
+                                    </p:set>
+                                  </p:childTnLst>
+                                </p:cTn>
+                              </p:par>
+                            </p:childTnLst>
+                          </p:cTn>
+                        </p:par>
+                      </p:childTnLst>
+                    </p:cTn>
+                  </p:par>
+                  <p:par>
+                    <p:cTn id="7" fill="hold">
+                      <p:stCondLst>
+                        <p:cond delay="indefinite"/>
+                      </p:stCondLst>
+                      <p:childTnLst>
+                        <p:par>
+                          <p:cTn id="8" fill="hold">
+                            <p:stCondLst>
+                              <p:cond delay="0"/>
+                            </p:stCondLst>
+                            <p:childTnLst>
+                              <p:par>
+                                <p:cTn id="9" presetID="1" presetClass="entr" presetSubtype="0" fill="hold" grpId="0" nodeType="clickEffect">
+                                  <p:stCondLst>
+                                    <p:cond delay="0"/>
+                                  </p:stCondLst>
+                                  <p:childTnLst>
+                                    <p:set>
+                                      <p:cBhvr>
+                                        <p:cTn id="10" dur="1" fill="hold">
+                                          <p:stCondLst>
+                                            <p:cond delay="0"/>
+                                          </p:stCondLst>
+                                        </p:cTn>
+                                        <p:tgtEl>
+                                          <p:spTgt spid="3">
+                                            <p:txEl>
+                                              <p:pRg st="1" end="1"/>
+                                            </p:txEl>
+                                          </p:spTgt>
+                                        </p:tgtEl>
+                                        <p:attrNameLst>
+                                          <p:attrName>style.visibility</p:attrName>
+                                        </p:attrNameLst>
+                                      </p:cBhvr>
+                                      <p:to>
+                                        <p:strVal val="visible"/>
+                                      </p:to>
+                                    </p:set>
+                                  </p:childTnLst>
+                                </p:cTn>
+                              </p:par>
+                            </p:childTnLst>
+                          </p:cTn>
+                        </p:par>
+                      </p:childTnLst>
+                    </p:cTn>
+                  </p:par>
+                  <p:par>
+                    <p:cTn id="11" fill="hold">
+                      <p:stCondLst>
+                        <p:cond delay="indefinite"/>
+                      </p:stCondLst>
+                      <p:childTnLst>
+                        <p:par>
+                          <p:cTn id="12" fill="hold">
+                            <p:stCondLst>
+                              <p:cond delay="0"/>
+                            </p:stCondLst>
+                            <p:childTnLst>
+                              <p:par>
+                                <p:cTn id="13" presetID="1" presetClass="entr" presetSubtype="0" fill="hold" grpId="0" nodeType="clickEffect">
+                                  <p:stCondLst>
+                                    <p:cond delay="0"/>
+                                  </p:stCondLst>
+                                  <p:childTnLst>
+                                    <p:set>
+                                      <p:cBhvr>
+                                        <p:cTn id="14" dur="1" fill="hold">
+                                          <p:stCondLst>
+                                            <p:cond delay="0"/>
+                                          </p:stCondLst>
+                                        </p:cTn>
+                                        <p:tgtEl>
+                                          <p:spTgt spid="3">
+                                            <p:txEl>
+                                              <p:pRg st="2" end="2"/>
+                                            </p:txEl>
+                                          </p:spTgt>
+                                        </p:tgtEl>
+                                        <p:attrNameLst>
+                                          <p:attrName>style.visibility</p:attrName>
+                                        </p:attrNameLst>
+                                      </p:cBhvr>
+                                      <p:to>
+                                        <p:strVal val="visible"/>
+                                      </p:to>
+                                    </p:set>
+                                  </p:childTnLst>
+                                </p:cTn>
+                              </p:par>
+                            </p:childTnLst>
+                          </p:cTn>
+                        </p:par>
+                      </p:childTnLst>
+                    </p:cTn>
+                  </p:par>
+                  <p:par>
+                    <p:cTn id="15" fill="hold">
+                      <p:stCondLst>
+                        <p:cond delay="indefinite"/>
+                      </p:stCondLst>
+                      <p:childTnLst>
+                        <p:par>
+                          <p:cTn id="16" fill="hold">
+                            <p:stCondLst>
+                              <p:cond delay="0"/>
+                            </p:stCondLst>
+                            <p:childTnLst>
+                              <p:par>
+                                <p:cTn id="17" presetID="1" presetClass="entr" presetSubtype="0" fill="hold" grpId="0" nodeType="clickEffect">
+                                  <p:stCondLst>
+                                    <p:cond delay="0"/>
+                                  </p:stCondLst>
+                                  <p:childTnLst>
+                                    <p:set>
+                                      <p:cBhvr>
+                                        <p:cTn id="18" dur="1" fill="hold">
+                                          <p:stCondLst>
+                                            <p:cond delay="0"/>
+                                          </p:stCondLst>
+                                        </p:cTn>
+                                        <p:tgtEl>
+                                          <p:spTgt spid="3">
+                                            <p:txEl>
+                                              <p:pRg st="3" end="3"/>
+                                            </p:txEl>
+                                          </p:spTgt>
+                                        </p:tgtEl>
+                                        <p:attrNameLst>
+                                          <p:attrName>style.visibility</p:attrName>
+                                        </p:attrNameLst>
+                                      </p:cBhvr>
+                                      <p:to>
+                                        <p:strVal val="visible"/>
+                                      </p:to>
+                                    </p:set>
+                                  </p:childTnLst>
+                                </p:cTn>
+                              </p:par>
+                            </p:childTnLst>
+                          </p:cTn>
+                        </p:par>
+                      </p:childTnLst>
+                    </p:cTn>
+                  </p:par>
+                </p:childTnLst>
+              </p:cTn>
+              <p:prevCondLst>
+                <p:cond evt="onPrev" delay="0">
+                  <p:tgtEl>
+                    <p:sldTgt/>
+                  </p:tgtEl>
+                </p:cond>
+              </p:prevCondLst>
+              <p:nextCondLst>
+                <p:cond evt="onNext" delay="0">
+                  <p:tgtEl>
+                    <p:sldTgt/>
+                  </p:tgtEl>
+                </p:cond>
+              </p:nextCondLst>
+            </p:seq>
+          </p:childTnLst>
+        </p:cTn>
       </p:par>
     </p:tnLst>
+    <p:bldLst>
+      <p:bldP spid="3" grpId="0" build="p"/>
+    </p:bldLst>
   </p:timing>
 </p:sld>
 </file>
@@ -11008,7 +12271,7 @@
           <p:cNvPr id="2" name="Title 1">
             <a:extLst>
               <a:ext uri="{FF2B5EF4-FFF2-40B4-BE49-F238E27FC236}">
-                <a16:creationId xmlns:a16="http://schemas.microsoft.com/office/drawing/2014/main" xmlns="" id="{97942D61-874D-4E31-85BE-FE30C6DC5FA3}"/>
+                <a16:creationId xmlns="" xmlns:a16="http://schemas.microsoft.com/office/drawing/2014/main" id="{97942D61-874D-4E31-85BE-FE30C6DC5FA3}"/>
               </a:ext>
             </a:extLst>
           </p:cNvPr>
@@ -11036,7 +12299,7 @@
           <p:cNvPr id="3" name="Content Placeholder 2">
             <a:extLst>
               <a:ext uri="{FF2B5EF4-FFF2-40B4-BE49-F238E27FC236}">
-                <a16:creationId xmlns:a16="http://schemas.microsoft.com/office/drawing/2014/main" xmlns="" id="{DE59F023-45D6-4DF9-AE99-8C0103878A9C}"/>
+                <a16:creationId xmlns="" xmlns:a16="http://schemas.microsoft.com/office/drawing/2014/main" id="{DE59F023-45D6-4DF9-AE99-8C0103878A9C}"/>
               </a:ext>
             </a:extLst>
           </p:cNvPr>
@@ -11680,7 +12943,7 @@
           <p:cNvPr id="2" name="Title 1">
             <a:extLst>
               <a:ext uri="{FF2B5EF4-FFF2-40B4-BE49-F238E27FC236}">
-                <a16:creationId xmlns:a16="http://schemas.microsoft.com/office/drawing/2014/main" xmlns="" id="{A652EAC6-87E9-406B-9F28-72FA1FB151CE}"/>
+                <a16:creationId xmlns="" xmlns:a16="http://schemas.microsoft.com/office/drawing/2014/main" id="{A652EAC6-87E9-406B-9F28-72FA1FB151CE}"/>
               </a:ext>
             </a:extLst>
           </p:cNvPr>
@@ -11708,7 +12971,7 @@
           <p:cNvPr id="3" name="Content Placeholder 2">
             <a:extLst>
               <a:ext uri="{FF2B5EF4-FFF2-40B4-BE49-F238E27FC236}">
-                <a16:creationId xmlns:a16="http://schemas.microsoft.com/office/drawing/2014/main" xmlns="" id="{81E24A57-CAF1-4DC7-A222-3B15D67EA090}"/>
+                <a16:creationId xmlns="" xmlns:a16="http://schemas.microsoft.com/office/drawing/2014/main" id="{81E24A57-CAF1-4DC7-A222-3B15D67EA090}"/>
               </a:ext>
             </a:extLst>
           </p:cNvPr>
@@ -12091,7 +13354,7 @@
           <p:cNvPr id="2" name="Title 1">
             <a:extLst>
               <a:ext uri="{FF2B5EF4-FFF2-40B4-BE49-F238E27FC236}">
-                <a16:creationId xmlns:a16="http://schemas.microsoft.com/office/drawing/2014/main" xmlns="" id="{C42E34EF-8D9B-4DA9-B0EF-408BC2985326}"/>
+                <a16:creationId xmlns="" xmlns:a16="http://schemas.microsoft.com/office/drawing/2014/main" id="{C42E34EF-8D9B-4DA9-B0EF-408BC2985326}"/>
               </a:ext>
             </a:extLst>
           </p:cNvPr>
@@ -12119,7 +13382,7 @@
           <p:cNvPr id="3" name="Content Placeholder 2">
             <a:extLst>
               <a:ext uri="{FF2B5EF4-FFF2-40B4-BE49-F238E27FC236}">
-                <a16:creationId xmlns:a16="http://schemas.microsoft.com/office/drawing/2014/main" xmlns="" id="{5B04E8FB-31D4-4FE4-B1C9-D931FB48C297}"/>
+                <a16:creationId xmlns="" xmlns:a16="http://schemas.microsoft.com/office/drawing/2014/main" id="{5B04E8FB-31D4-4FE4-B1C9-D931FB48C297}"/>
               </a:ext>
             </a:extLst>
           </p:cNvPr>
@@ -12151,7 +13414,7 @@
           <p:cNvPr id="4" name="Picture 3">
             <a:extLst>
               <a:ext uri="{FF2B5EF4-FFF2-40B4-BE49-F238E27FC236}">
-                <a16:creationId xmlns:a16="http://schemas.microsoft.com/office/drawing/2014/main" xmlns="" id="{1A5E9D38-D03F-4E60-A5BB-82EB6DB16583}"/>
+                <a16:creationId xmlns="" xmlns:a16="http://schemas.microsoft.com/office/drawing/2014/main" id="{1A5E9D38-D03F-4E60-A5BB-82EB6DB16583}"/>
               </a:ext>
             </a:extLst>
           </p:cNvPr>
@@ -12181,7 +13444,7 @@
           <p:cNvPr id="5" name="Picture 4">
             <a:extLst>
               <a:ext uri="{FF2B5EF4-FFF2-40B4-BE49-F238E27FC236}">
-                <a16:creationId xmlns:a16="http://schemas.microsoft.com/office/drawing/2014/main" xmlns="" id="{C76402E9-C5F6-4723-A74E-E0100F525E66}"/>
+                <a16:creationId xmlns="" xmlns:a16="http://schemas.microsoft.com/office/drawing/2014/main" id="{C76402E9-C5F6-4723-A74E-E0100F525E66}"/>
               </a:ext>
             </a:extLst>
           </p:cNvPr>
@@ -12394,6 +13657,78 @@
                                   </p:childTnLst>
                                 </p:cTn>
                               </p:par>
+                              <p:par>
+                                <p:cTn id="15" presetID="1" presetClass="exit" presetSubtype="0" fill="hold" nodeType="withEffect">
+                                  <p:stCondLst>
+                                    <p:cond delay="0"/>
+                                  </p:stCondLst>
+                                  <p:childTnLst>
+                                    <p:set>
+                                      <p:cBhvr>
+                                        <p:cTn id="16" dur="1" fill="hold">
+                                          <p:stCondLst>
+                                            <p:cond delay="0"/>
+                                          </p:stCondLst>
+                                        </p:cTn>
+                                        <p:tgtEl>
+                                          <p:spTgt spid="6"/>
+                                        </p:tgtEl>
+                                        <p:attrNameLst>
+                                          <p:attrName>style.visibility</p:attrName>
+                                        </p:attrNameLst>
+                                      </p:cBhvr>
+                                      <p:to>
+                                        <p:strVal val="hidden"/>
+                                      </p:to>
+                                    </p:set>
+                                  </p:childTnLst>
+                                </p:cTn>
+                              </p:par>
+                            </p:childTnLst>
+                          </p:cTn>
+                        </p:par>
+                      </p:childTnLst>
+                    </p:cTn>
+                  </p:par>
+                  <p:par>
+                    <p:cTn id="17" fill="hold">
+                      <p:stCondLst>
+                        <p:cond delay="indefinite"/>
+                      </p:stCondLst>
+                      <p:childTnLst>
+                        <p:par>
+                          <p:cTn id="18" fill="hold">
+                            <p:stCondLst>
+                              <p:cond delay="0"/>
+                            </p:stCondLst>
+                            <p:childTnLst>
+                              <p:par>
+                                <p:cTn id="19" presetID="1" presetClass="entr" presetSubtype="0" fill="hold" nodeType="clickEffect">
+                                  <p:stCondLst>
+                                    <p:cond delay="0"/>
+                                  </p:stCondLst>
+                                  <p:childTnLst>
+                                    <p:set>
+                                      <p:cBhvr>
+                                        <p:cTn id="20" dur="1" fill="hold">
+                                          <p:stCondLst>
+                                            <p:cond delay="0"/>
+                                          </p:stCondLst>
+                                        </p:cTn>
+                                        <p:tgtEl>
+                                          <p:spTgt spid="6"/>
+                                        </p:tgtEl>
+                                        <p:attrNameLst>
+                                          <p:attrName>style.visibility</p:attrName>
+                                        </p:attrNameLst>
+                                      </p:cBhvr>
+                                      <p:to>
+                                        <p:strVal val="visible"/>
+                                      </p:to>
+                                    </p:set>
+                                  </p:childTnLst>
+                                </p:cTn>
+                              </p:par>
                             </p:childTnLst>
                           </p:cTn>
                         </p:par>
@@ -12447,7 +13782,7 @@
           <p:cNvPr id="2" name="Title 1">
             <a:extLst>
               <a:ext uri="{FF2B5EF4-FFF2-40B4-BE49-F238E27FC236}">
-                <a16:creationId xmlns:a16="http://schemas.microsoft.com/office/drawing/2014/main" xmlns="" id="{C42E34EF-8D9B-4DA9-B0EF-408BC2985326}"/>
+                <a16:creationId xmlns="" xmlns:a16="http://schemas.microsoft.com/office/drawing/2014/main" id="{C42E34EF-8D9B-4DA9-B0EF-408BC2985326}"/>
               </a:ext>
             </a:extLst>
           </p:cNvPr>
@@ -12475,7 +13810,7 @@
           <p:cNvPr id="3" name="Content Placeholder 2">
             <a:extLst>
               <a:ext uri="{FF2B5EF4-FFF2-40B4-BE49-F238E27FC236}">
-                <a16:creationId xmlns:a16="http://schemas.microsoft.com/office/drawing/2014/main" xmlns="" id="{5B04E8FB-31D4-4FE4-B1C9-D931FB48C297}"/>
+                <a16:creationId xmlns="" xmlns:a16="http://schemas.microsoft.com/office/drawing/2014/main" id="{5B04E8FB-31D4-4FE4-B1C9-D931FB48C297}"/>
               </a:ext>
             </a:extLst>
           </p:cNvPr>
@@ -12514,12 +13849,16 @@
               <a:t> numbers from </a:t>
             </a:r>
             <a:r>
-              <a:rPr lang="en-US" b="1" dirty="0"/>
-              <a:t>distribution</a:t>
+              <a:rPr lang="en-US" b="1" dirty="0" smtClean="0"/>
+              <a:t>distributions</a:t>
+            </a:r>
+            <a:r>
+              <a:rPr lang="en-US" dirty="0" smtClean="0"/>
+              <a:t> </a:t>
             </a:r>
             <a:r>
               <a:rPr lang="en-US" dirty="0"/>
-              <a:t> with specified </a:t>
+              <a:t>with specified </a:t>
             </a:r>
             <a:r>
               <a:rPr lang="en-US" b="1" dirty="0"/>
@@ -12660,7 +13999,7 @@
           <p:cNvPr id="2" name="Title 1">
             <a:extLst>
               <a:ext uri="{FF2B5EF4-FFF2-40B4-BE49-F238E27FC236}">
-                <a16:creationId xmlns:a16="http://schemas.microsoft.com/office/drawing/2014/main" xmlns="" id="{35847233-8BB1-4F2B-8850-F42F74ECBB35}"/>
+                <a16:creationId xmlns="" xmlns:a16="http://schemas.microsoft.com/office/drawing/2014/main" id="{35847233-8BB1-4F2B-8850-F42F74ECBB35}"/>
               </a:ext>
             </a:extLst>
           </p:cNvPr>
@@ -12695,7 +14034,7 @@
           <p:cNvPr id="3" name="Content Placeholder 2">
             <a:extLst>
               <a:ext uri="{FF2B5EF4-FFF2-40B4-BE49-F238E27FC236}">
-                <a16:creationId xmlns:a16="http://schemas.microsoft.com/office/drawing/2014/main" xmlns="" id="{0F37B897-6B6B-4E7B-A5DC-0B6379433040}"/>
+                <a16:creationId xmlns="" xmlns:a16="http://schemas.microsoft.com/office/drawing/2014/main" id="{0F37B897-6B6B-4E7B-A5DC-0B6379433040}"/>
               </a:ext>
             </a:extLst>
           </p:cNvPr>
@@ -12809,7 +14148,7 @@
           <p:cNvPr id="6" name="Content Placeholder 2">
             <a:extLst>
               <a:ext uri="{FF2B5EF4-FFF2-40B4-BE49-F238E27FC236}">
-                <a16:creationId xmlns:a16="http://schemas.microsoft.com/office/drawing/2014/main" xmlns="" id="{0F37B897-6B6B-4E7B-A5DC-0B6379433040}"/>
+                <a16:creationId xmlns="" xmlns:a16="http://schemas.microsoft.com/office/drawing/2014/main" id="{0F37B897-6B6B-4E7B-A5DC-0B6379433040}"/>
               </a:ext>
             </a:extLst>
           </p:cNvPr>
@@ -12820,7 +14159,7 @@
         </p:nvSpPr>
         <p:spPr>
           <a:xfrm>
-            <a:off x="848019" y="2434478"/>
+            <a:off x="162219" y="2434478"/>
             <a:ext cx="10871230" cy="2638265"/>
           </a:xfrm>
           <a:prstGeom prst="rect">
@@ -13131,7 +14470,7 @@
           <p:cNvPr id="7" name="Content Placeholder 2">
             <a:extLst>
               <a:ext uri="{FF2B5EF4-FFF2-40B4-BE49-F238E27FC236}">
-                <a16:creationId xmlns:a16="http://schemas.microsoft.com/office/drawing/2014/main" xmlns="" id="{0F37B897-6B6B-4E7B-A5DC-0B6379433040}"/>
+                <a16:creationId xmlns="" xmlns:a16="http://schemas.microsoft.com/office/drawing/2014/main" id="{0F37B897-6B6B-4E7B-A5DC-0B6379433040}"/>
               </a:ext>
             </a:extLst>
           </p:cNvPr>
@@ -13142,7 +14481,7 @@
         </p:nvSpPr>
         <p:spPr>
           <a:xfrm>
-            <a:off x="8071956" y="2434478"/>
+            <a:off x="6151716" y="2437953"/>
             <a:ext cx="3291663" cy="2638265"/>
           </a:xfrm>
           <a:prstGeom prst="rect">
@@ -13436,6 +14775,228 @@
                 </a:solidFill>
               </a:rPr>
               <a:t>(30, 0, 10)</a:t>
+            </a:r>
+            <a:endParaRPr lang="en-US" sz="3600" b="1" dirty="0">
+              <a:solidFill>
+                <a:schemeClr val="bg1"/>
+              </a:solidFill>
+            </a:endParaRPr>
+          </a:p>
+        </p:txBody>
+      </p:sp>
+      <p:sp>
+        <p:nvSpPr>
+          <p:cNvPr id="8" name="Content Placeholder 2">
+            <a:extLst>
+              <a:ext uri="{FF2B5EF4-FFF2-40B4-BE49-F238E27FC236}">
+                <a16:creationId xmlns="" xmlns:a16="http://schemas.microsoft.com/office/drawing/2014/main" id="{0F37B897-6B6B-4E7B-A5DC-0B6379433040}"/>
+              </a:ext>
+            </a:extLst>
+          </p:cNvPr>
+          <p:cNvSpPr txBox="1">
+            <a:spLocks/>
+          </p:cNvSpPr>
+          <p:nvPr/>
+        </p:nvSpPr>
+        <p:spPr>
+          <a:xfrm>
+            <a:off x="9779242" y="2438065"/>
+            <a:ext cx="2412758" cy="750794"/>
+          </a:xfrm>
+          <a:prstGeom prst="rect">
+            <a:avLst/>
+          </a:prstGeom>
+          <a:solidFill>
+            <a:srgbClr val="00B050"/>
+          </a:solidFill>
+        </p:spPr>
+        <p:txBody>
+          <a:bodyPr vert="horz" lIns="91440" tIns="45720" rIns="91440" bIns="45720" rtlCol="0">
+            <a:normAutofit/>
+          </a:bodyPr>
+          <a:lstStyle>
+            <a:lvl1pPr marL="228600" indent="-228600" algn="l" defTabSz="914400" rtl="0" eaLnBrk="1" latinLnBrk="0" hangingPunct="1">
+              <a:lnSpc>
+                <a:spcPct val="90000"/>
+              </a:lnSpc>
+              <a:spcBef>
+                <a:spcPts val="1000"/>
+              </a:spcBef>
+              <a:buFont typeface="Arial" panose="020B0604020202020204" pitchFamily="34" charset="0"/>
+              <a:buChar char="•"/>
+              <a:defRPr sz="2800" kern="1200">
+                <a:solidFill>
+                  <a:schemeClr val="tx1"/>
+                </a:solidFill>
+                <a:latin typeface="+mn-lt"/>
+                <a:ea typeface="+mn-ea"/>
+                <a:cs typeface="+mn-cs"/>
+              </a:defRPr>
+            </a:lvl1pPr>
+            <a:lvl2pPr marL="685800" indent="-228600" algn="l" defTabSz="914400" rtl="0" eaLnBrk="1" latinLnBrk="0" hangingPunct="1">
+              <a:lnSpc>
+                <a:spcPct val="90000"/>
+              </a:lnSpc>
+              <a:spcBef>
+                <a:spcPts val="500"/>
+              </a:spcBef>
+              <a:buFont typeface="Arial" panose="020B0604020202020204" pitchFamily="34" charset="0"/>
+              <a:buChar char="•"/>
+              <a:defRPr sz="2400" kern="1200">
+                <a:solidFill>
+                  <a:schemeClr val="tx1"/>
+                </a:solidFill>
+                <a:latin typeface="+mn-lt"/>
+                <a:ea typeface="+mn-ea"/>
+                <a:cs typeface="+mn-cs"/>
+              </a:defRPr>
+            </a:lvl2pPr>
+            <a:lvl3pPr marL="1143000" indent="-228600" algn="l" defTabSz="914400" rtl="0" eaLnBrk="1" latinLnBrk="0" hangingPunct="1">
+              <a:lnSpc>
+                <a:spcPct val="90000"/>
+              </a:lnSpc>
+              <a:spcBef>
+                <a:spcPts val="500"/>
+              </a:spcBef>
+              <a:buFont typeface="Arial" panose="020B0604020202020204" pitchFamily="34" charset="0"/>
+              <a:buChar char="•"/>
+              <a:defRPr sz="2000" kern="1200">
+                <a:solidFill>
+                  <a:schemeClr val="tx1"/>
+                </a:solidFill>
+                <a:latin typeface="+mn-lt"/>
+                <a:ea typeface="+mn-ea"/>
+                <a:cs typeface="+mn-cs"/>
+              </a:defRPr>
+            </a:lvl3pPr>
+            <a:lvl4pPr marL="1600200" indent="-228600" algn="l" defTabSz="914400" rtl="0" eaLnBrk="1" latinLnBrk="0" hangingPunct="1">
+              <a:lnSpc>
+                <a:spcPct val="90000"/>
+              </a:lnSpc>
+              <a:spcBef>
+                <a:spcPts val="500"/>
+              </a:spcBef>
+              <a:buFont typeface="Arial" panose="020B0604020202020204" pitchFamily="34" charset="0"/>
+              <a:buChar char="•"/>
+              <a:defRPr sz="1800" kern="1200">
+                <a:solidFill>
+                  <a:schemeClr val="tx1"/>
+                </a:solidFill>
+                <a:latin typeface="+mn-lt"/>
+                <a:ea typeface="+mn-ea"/>
+                <a:cs typeface="+mn-cs"/>
+              </a:defRPr>
+            </a:lvl4pPr>
+            <a:lvl5pPr marL="2057400" indent="-228600" algn="l" defTabSz="914400" rtl="0" eaLnBrk="1" latinLnBrk="0" hangingPunct="1">
+              <a:lnSpc>
+                <a:spcPct val="90000"/>
+              </a:lnSpc>
+              <a:spcBef>
+                <a:spcPts val="500"/>
+              </a:spcBef>
+              <a:buFont typeface="Arial" panose="020B0604020202020204" pitchFamily="34" charset="0"/>
+              <a:buChar char="•"/>
+              <a:defRPr sz="1800" kern="1200">
+                <a:solidFill>
+                  <a:schemeClr val="tx1"/>
+                </a:solidFill>
+                <a:latin typeface="+mn-lt"/>
+                <a:ea typeface="+mn-ea"/>
+                <a:cs typeface="+mn-cs"/>
+              </a:defRPr>
+            </a:lvl5pPr>
+            <a:lvl6pPr marL="2514600" indent="-228600" algn="l" defTabSz="914400" rtl="0" eaLnBrk="1" latinLnBrk="0" hangingPunct="1">
+              <a:lnSpc>
+                <a:spcPct val="90000"/>
+              </a:lnSpc>
+              <a:spcBef>
+                <a:spcPts val="500"/>
+              </a:spcBef>
+              <a:buFont typeface="Arial" panose="020B0604020202020204" pitchFamily="34" charset="0"/>
+              <a:buChar char="•"/>
+              <a:defRPr sz="1800" kern="1200">
+                <a:solidFill>
+                  <a:schemeClr val="tx1"/>
+                </a:solidFill>
+                <a:latin typeface="+mn-lt"/>
+                <a:ea typeface="+mn-ea"/>
+                <a:cs typeface="+mn-cs"/>
+              </a:defRPr>
+            </a:lvl6pPr>
+            <a:lvl7pPr marL="2971800" indent="-228600" algn="l" defTabSz="914400" rtl="0" eaLnBrk="1" latinLnBrk="0" hangingPunct="1">
+              <a:lnSpc>
+                <a:spcPct val="90000"/>
+              </a:lnSpc>
+              <a:spcBef>
+                <a:spcPts val="500"/>
+              </a:spcBef>
+              <a:buFont typeface="Arial" panose="020B0604020202020204" pitchFamily="34" charset="0"/>
+              <a:buChar char="•"/>
+              <a:defRPr sz="1800" kern="1200">
+                <a:solidFill>
+                  <a:schemeClr val="tx1"/>
+                </a:solidFill>
+                <a:latin typeface="+mn-lt"/>
+                <a:ea typeface="+mn-ea"/>
+                <a:cs typeface="+mn-cs"/>
+              </a:defRPr>
+            </a:lvl7pPr>
+            <a:lvl8pPr marL="3429000" indent="-228600" algn="l" defTabSz="914400" rtl="0" eaLnBrk="1" latinLnBrk="0" hangingPunct="1">
+              <a:lnSpc>
+                <a:spcPct val="90000"/>
+              </a:lnSpc>
+              <a:spcBef>
+                <a:spcPts val="500"/>
+              </a:spcBef>
+              <a:buFont typeface="Arial" panose="020B0604020202020204" pitchFamily="34" charset="0"/>
+              <a:buChar char="•"/>
+              <a:defRPr sz="1800" kern="1200">
+                <a:solidFill>
+                  <a:schemeClr val="tx1"/>
+                </a:solidFill>
+                <a:latin typeface="+mn-lt"/>
+                <a:ea typeface="+mn-ea"/>
+                <a:cs typeface="+mn-cs"/>
+              </a:defRPr>
+            </a:lvl8pPr>
+            <a:lvl9pPr marL="3886200" indent="-228600" algn="l" defTabSz="914400" rtl="0" eaLnBrk="1" latinLnBrk="0" hangingPunct="1">
+              <a:lnSpc>
+                <a:spcPct val="90000"/>
+              </a:lnSpc>
+              <a:spcBef>
+                <a:spcPts val="500"/>
+              </a:spcBef>
+              <a:buFont typeface="Arial" panose="020B0604020202020204" pitchFamily="34" charset="0"/>
+              <a:buChar char="•"/>
+              <a:defRPr sz="1800" kern="1200">
+                <a:solidFill>
+                  <a:schemeClr val="tx1"/>
+                </a:solidFill>
+                <a:latin typeface="+mn-lt"/>
+                <a:ea typeface="+mn-ea"/>
+                <a:cs typeface="+mn-cs"/>
+              </a:defRPr>
+            </a:lvl9pPr>
+          </a:lstStyle>
+          <a:p>
+            <a:pPr marL="0" indent="0">
+              <a:buNone/>
+            </a:pPr>
+            <a:r>
+              <a:rPr lang="en-US" sz="3600" b="1" dirty="0" err="1" smtClean="0">
+                <a:solidFill>
+                  <a:schemeClr val="bg1"/>
+                </a:solidFill>
+              </a:rPr>
+              <a:t>rnorm</a:t>
+            </a:r>
+            <a:r>
+              <a:rPr lang="en-US" sz="3600" b="1" dirty="0" smtClean="0">
+                <a:solidFill>
+                  <a:schemeClr val="bg1"/>
+                </a:solidFill>
+              </a:rPr>
+              <a:t>(100)</a:t>
             </a:r>
             <a:endParaRPr lang="en-US" sz="3600" b="1" dirty="0">
               <a:solidFill>
@@ -13530,7 +15091,7 @@
                                 </p:cTn>
                               </p:par>
                               <p:par>
-                                <p:cTn id="9" presetID="1" presetClass="exit" presetSubtype="0" fill="hold" nodeType="withEffect">
+                                <p:cTn id="9" presetID="1" presetClass="entr" presetSubtype="0" fill="hold" grpId="0" nodeType="withEffect">
                                   <p:stCondLst>
                                     <p:cond delay="0"/>
                                   </p:stCondLst>
@@ -13543,14 +15104,14 @@
                                           </p:stCondLst>
                                         </p:cTn>
                                         <p:tgtEl>
-                                          <p:spTgt spid="4"/>
+                                          <p:spTgt spid="8"/>
                                         </p:tgtEl>
                                         <p:attrNameLst>
                                           <p:attrName>style.visibility</p:attrName>
                                         </p:attrNameLst>
                                       </p:cBhvr>
                                       <p:to>
-                                        <p:strVal val="hidden"/>
+                                        <p:strVal val="visible"/>
                                       </p:to>
                                     </p:set>
                                   </p:childTnLst>
@@ -13586,6 +15147,7 @@
     <p:bldLst>
       <p:bldP spid="6" grpId="0" animBg="1"/>
       <p:bldP spid="7" grpId="0" animBg="1"/>
+      <p:bldP spid="8" grpId="0" animBg="1"/>
     </p:bldLst>
   </p:timing>
 </p:sld>
@@ -13613,7 +15175,7 @@
           <p:cNvPr id="2" name="Title 1">
             <a:extLst>
               <a:ext uri="{FF2B5EF4-FFF2-40B4-BE49-F238E27FC236}">
-                <a16:creationId xmlns:a16="http://schemas.microsoft.com/office/drawing/2014/main" xmlns="" id="{8660EC47-1C2C-4316-8E96-96C56C1E7326}"/>
+                <a16:creationId xmlns="" xmlns:a16="http://schemas.microsoft.com/office/drawing/2014/main" id="{8660EC47-1C2C-4316-8E96-96C56C1E7326}"/>
               </a:ext>
             </a:extLst>
           </p:cNvPr>
@@ -13641,7 +15203,7 @@
           <p:cNvPr id="3" name="Content Placeholder 2">
             <a:extLst>
               <a:ext uri="{FF2B5EF4-FFF2-40B4-BE49-F238E27FC236}">
-                <a16:creationId xmlns:a16="http://schemas.microsoft.com/office/drawing/2014/main" xmlns="" id="{4606D259-A59E-41EA-88BE-CF6156C6F887}"/>
+                <a16:creationId xmlns="" xmlns:a16="http://schemas.microsoft.com/office/drawing/2014/main" id="{4606D259-A59E-41EA-88BE-CF6156C6F887}"/>
               </a:ext>
             </a:extLst>
           </p:cNvPr>
@@ -13658,12 +15220,24 @@
           <a:lstStyle/>
           <a:p>
             <a:r>
-              <a:rPr lang="en-US" b="1" dirty="0"/>
+              <a:rPr lang="en-US" b="1" dirty="0" smtClean="0"/>
               <a:t>replicate</a:t>
             </a:r>
             <a:r>
+              <a:rPr lang="en-US" dirty="0" smtClean="0"/>
+              <a:t>(</a:t>
+            </a:r>
+            <a:r>
+              <a:rPr lang="en-US" dirty="0" err="1" smtClean="0"/>
+              <a:t>nrep</a:t>
+            </a:r>
+            <a:r>
+              <a:rPr lang="en-US" dirty="0" smtClean="0"/>
+              <a:t>, </a:t>
+            </a:r>
+            <a:r>
               <a:rPr lang="en-US" dirty="0"/>
-              <a:t>(n, expression)</a:t>
+              <a:t>expression)</a:t>
             </a:r>
           </a:p>
           <a:p>
@@ -14002,7 +15576,7 @@
   <a:extraClrSchemeLst/>
   <a:extLst>
     <a:ext uri="{05A4C25C-085E-4340-85A3-A5531E510DB2}">
-      <thm15:themeFamily xmlns:thm15="http://schemas.microsoft.com/office/thememl/2012/main" xmlns="" name="Office Theme" id="{62F939B6-93AF-4DB8-9C6B-D6C7DFDC589F}" vid="{4A3C46E8-61CC-4603-A589-7422A47A8E4A}"/>
+      <thm15:themeFamily xmlns="" xmlns:thm15="http://schemas.microsoft.com/office/thememl/2012/main" name="Office Theme" id="{62F939B6-93AF-4DB8-9C6B-D6C7DFDC589F}" vid="{4A3C46E8-61CC-4603-A589-7422A47A8E4A}"/>
     </a:ext>
   </a:extLst>
 </a:theme>
@@ -14297,7 +15871,7 @@
   <a:extraClrSchemeLst/>
   <a:extLst>
     <a:ext uri="{05A4C25C-085E-4340-85A3-A5531E510DB2}">
-      <thm15:themeFamily xmlns:thm15="http://schemas.microsoft.com/office/thememl/2012/main" xmlns="" name="Office Theme" id="{62F939B6-93AF-4DB8-9C6B-D6C7DFDC589F}" vid="{4A3C46E8-61CC-4603-A589-7422A47A8E4A}"/>
+      <thm15:themeFamily xmlns="" xmlns:thm15="http://schemas.microsoft.com/office/thememl/2012/main" name="Office Theme" id="{62F939B6-93AF-4DB8-9C6B-D6C7DFDC589F}" vid="{4A3C46E8-61CC-4603-A589-7422A47A8E4A}"/>
     </a:ext>
   </a:extLst>
 </a:theme>
